--- a/PennApps presentation.pptx
+++ b/PennApps presentation.pptx
@@ -12950,7 +12950,7 @@
         </p:nvSpPr>
         <p:spPr>
           <a:xfrm>
-            <a:off x="1141412" y="2249487"/>
+            <a:off x="780239" y="2232554"/>
             <a:ext cx="4055459" cy="3965046"/>
           </a:xfrm>
         </p:spPr>
@@ -13048,8 +13048,8 @@
         </p:blipFill>
         <p:spPr>
           <a:xfrm>
-            <a:off x="5196871" y="1858963"/>
-            <a:ext cx="6310185" cy="4419283"/>
+            <a:off x="4641169" y="1435101"/>
+            <a:ext cx="7171721" cy="5022652"/>
           </a:xfrm>
           <a:prstGeom prst="round2DiagRect">
             <a:avLst>
@@ -15579,7 +15579,7 @@
         <p:spPr>
           <a:xfrm>
             <a:off x="779833" y="1865269"/>
-            <a:ext cx="10115694" cy="4303712"/>
+            <a:ext cx="10612692" cy="4303712"/>
           </a:xfrm>
         </p:spPr>
         <p:txBody>
@@ -15614,7 +15614,15 @@
             </a:pPr>
             <a:r>
               <a:rPr lang="en-US" sz="2400" dirty="0"/>
-              <a:t>Included over 30 features include parts-of-speech, lexical diversity, and </a:t>
+              <a:t>Included over 30 features </a:t>
+            </a:r>
+            <a:r>
+              <a:rPr lang="en-US" sz="2400" dirty="0" smtClean="0"/>
+              <a:t>such as </a:t>
+            </a:r>
+            <a:r>
+              <a:rPr lang="en-US" sz="2400" dirty="0"/>
+              <a:t>parts-of-speech, lexical diversity, and </a:t>
             </a:r>
             <a:r>
               <a:rPr lang="en-US" sz="2400" dirty="0" smtClean="0"/>
@@ -15635,6 +15643,18 @@
               <a:rPr lang="en-US" sz="2000" dirty="0" smtClean="0"/>
               <a:t>Kit</a:t>
             </a:r>
+          </a:p>
+          <a:p>
+            <a:pPr marL="685800" lvl="2">
+              <a:spcBef>
+                <a:spcPts val="1000"/>
+              </a:spcBef>
+            </a:pPr>
+            <a:r>
+              <a:rPr lang="en-US" sz="2000" smtClean="0"/>
+              <a:t>Pandas</a:t>
+            </a:r>
+            <a:endParaRPr lang="en-US" sz="2000" dirty="0" smtClean="0"/>
           </a:p>
           <a:p>
             <a:pPr marL="228600" lvl="1">

--- a/PennApps presentation.pptx
+++ b/PennApps presentation.pptx
@@ -12437,6 +12437,36 @@
           </a:p>
         </p:txBody>
       </p:sp>
+      <p:pic>
+        <p:nvPicPr>
+          <p:cNvPr id="4" name="Picture 3"/>
+          <p:cNvPicPr>
+            <a:picLocks noChangeAspect="1"/>
+          </p:cNvPicPr>
+          <p:nvPr/>
+        </p:nvPicPr>
+        <p:blipFill>
+          <a:blip r:embed="rId2">
+            <a:extLst>
+              <a:ext uri="{28A0092B-C50C-407E-A947-70E740481C1C}">
+                <a14:useLocalDpi xmlns:a14="http://schemas.microsoft.com/office/drawing/2010/main" val="0"/>
+              </a:ext>
+            </a:extLst>
+          </a:blip>
+          <a:stretch>
+            <a:fillRect/>
+          </a:stretch>
+        </p:blipFill>
+        <p:spPr>
+          <a:xfrm>
+            <a:off x="5257800" y="850900"/>
+            <a:ext cx="1625600" cy="1168400"/>
+          </a:xfrm>
+          <a:prstGeom prst="rect">
+            <a:avLst/>
+          </a:prstGeom>
+        </p:spPr>
+      </p:pic>
     </p:spTree>
     <p:extLst>
       <p:ext uri="{BB962C8B-B14F-4D97-AF65-F5344CB8AC3E}">
@@ -15651,10 +15681,9 @@
               </a:spcBef>
             </a:pPr>
             <a:r>
-              <a:rPr lang="en-US" sz="2000" smtClean="0"/>
+              <a:rPr lang="en-US" sz="2000" dirty="0" smtClean="0"/>
               <a:t>Pandas</a:t>
             </a:r>
-            <a:endParaRPr lang="en-US" sz="2000" dirty="0" smtClean="0"/>
           </a:p>
           <a:p>
             <a:pPr marL="228600" lvl="1">

--- a/PennApps presentation.pptx
+++ b/PennApps presentation.pptx
@@ -111,6 +111,11 @@
       </a:defRPr>
     </a:lvl9pPr>
   </p:defaultTextStyle>
+  <p:extLst>
+    <p:ext uri="{EFAFB233-063F-42B5-8137-9DF3F51BA10A}">
+      <p15:sldGuideLst xmlns:p15="http://schemas.microsoft.com/office/powerpoint/2012/main"/>
+    </p:ext>
+  </p:extLst>
 </p:presentation>
 </file>
 
@@ -164,7 +169,7 @@
           <a:noFill/>
           <a:extLst>
             <a:ext uri="{909E8E84-426E-40dd-AFC4-6F175D3DCCD1}">
-              <a14:hiddenFill xmlns:a14="http://schemas.microsoft.com/office/drawing/2010/main" xmlns="">
+              <a14:hiddenFill xmlns="" xmlns:a14="http://schemas.microsoft.com/office/drawing/2010/main">
                 <a:solidFill>
                   <a:srgbClr val="FFFFFF"/>
                 </a:solidFill>
@@ -224,7 +229,7 @@
             </a:ln>
             <a:extLst>
               <a:ext uri="{91240B29-F687-4f45-9708-019B960494DF}">
-                <a14:hiddenLine xmlns:a14="http://schemas.microsoft.com/office/drawing/2010/main" xmlns="" w="9525">
+                <a14:hiddenLine xmlns="" xmlns:a14="http://schemas.microsoft.com/office/drawing/2010/main" w="9525">
                   <a:solidFill>
                     <a:srgbClr val="000000"/>
                   </a:solidFill>
@@ -314,7 +319,7 @@
             </a:ln>
             <a:extLst>
               <a:ext uri="{91240B29-F687-4f45-9708-019B960494DF}">
-                <a14:hiddenLine xmlns:a14="http://schemas.microsoft.com/office/drawing/2010/main" xmlns="" w="9525">
+                <a14:hiddenLine xmlns="" xmlns:a14="http://schemas.microsoft.com/office/drawing/2010/main" w="9525">
                   <a:solidFill>
                     <a:srgbClr val="000000"/>
                   </a:solidFill>
@@ -404,7 +409,7 @@
             </a:ln>
             <a:extLst>
               <a:ext uri="{91240B29-F687-4f45-9708-019B960494DF}">
-                <a14:hiddenLine xmlns:a14="http://schemas.microsoft.com/office/drawing/2010/main" xmlns="" w="9525">
+                <a14:hiddenLine xmlns="" xmlns:a14="http://schemas.microsoft.com/office/drawing/2010/main" w="9525">
                   <a:solidFill>
                     <a:srgbClr val="000000"/>
                   </a:solidFill>
@@ -438,7 +443,7 @@
             </a:ln>
             <a:extLst>
               <a:ext uri="{91240B29-F687-4f45-9708-019B960494DF}">
-                <a14:hiddenLine xmlns:a14="http://schemas.microsoft.com/office/drawing/2010/main" xmlns="" w="9525">
+                <a14:hiddenLine xmlns="" xmlns:a14="http://schemas.microsoft.com/office/drawing/2010/main" w="9525">
                   <a:solidFill>
                     <a:srgbClr val="000000"/>
                   </a:solidFill>
@@ -528,7 +533,7 @@
             </a:ln>
             <a:extLst>
               <a:ext uri="{91240B29-F687-4f45-9708-019B960494DF}">
-                <a14:hiddenLine xmlns:a14="http://schemas.microsoft.com/office/drawing/2010/main" xmlns="" w="9525">
+                <a14:hiddenLine xmlns="" xmlns:a14="http://schemas.microsoft.com/office/drawing/2010/main" w="9525">
                   <a:solidFill>
                     <a:srgbClr val="000000"/>
                   </a:solidFill>
@@ -590,7 +595,7 @@
             </a:ln>
             <a:extLst>
               <a:ext uri="{91240B29-F687-4f45-9708-019B960494DF}">
-                <a14:hiddenLine xmlns:a14="http://schemas.microsoft.com/office/drawing/2010/main" xmlns="" w="9525">
+                <a14:hiddenLine xmlns="" xmlns:a14="http://schemas.microsoft.com/office/drawing/2010/main" w="9525">
                   <a:solidFill>
                     <a:srgbClr val="000000"/>
                   </a:solidFill>
@@ -652,7 +657,7 @@
             </a:ln>
             <a:extLst>
               <a:ext uri="{91240B29-F687-4f45-9708-019B960494DF}">
-                <a14:hiddenLine xmlns:a14="http://schemas.microsoft.com/office/drawing/2010/main" xmlns="" w="9525">
+                <a14:hiddenLine xmlns="" xmlns:a14="http://schemas.microsoft.com/office/drawing/2010/main" w="9525">
                   <a:solidFill>
                     <a:srgbClr val="000000"/>
                   </a:solidFill>
@@ -742,7 +747,7 @@
             </a:ln>
             <a:extLst>
               <a:ext uri="{91240B29-F687-4f45-9708-019B960494DF}">
-                <a14:hiddenLine xmlns:a14="http://schemas.microsoft.com/office/drawing/2010/main" xmlns="" w="9525">
+                <a14:hiddenLine xmlns="" xmlns:a14="http://schemas.microsoft.com/office/drawing/2010/main" w="9525">
                   <a:solidFill>
                     <a:srgbClr val="000000"/>
                   </a:solidFill>
@@ -804,7 +809,7 @@
             </a:ln>
             <a:extLst>
               <a:ext uri="{91240B29-F687-4f45-9708-019B960494DF}">
-                <a14:hiddenLine xmlns:a14="http://schemas.microsoft.com/office/drawing/2010/main" xmlns="" w="9525">
+                <a14:hiddenLine xmlns="" xmlns:a14="http://schemas.microsoft.com/office/drawing/2010/main" w="9525">
                   <a:solidFill>
                     <a:srgbClr val="000000"/>
                   </a:solidFill>
@@ -866,7 +871,7 @@
             </a:ln>
             <a:extLst>
               <a:ext uri="{91240B29-F687-4f45-9708-019B960494DF}">
-                <a14:hiddenLine xmlns:a14="http://schemas.microsoft.com/office/drawing/2010/main" xmlns="" w="9525">
+                <a14:hiddenLine xmlns="" xmlns:a14="http://schemas.microsoft.com/office/drawing/2010/main" w="9525">
                   <a:solidFill>
                     <a:srgbClr val="000000"/>
                   </a:solidFill>
@@ -956,7 +961,7 @@
             </a:ln>
             <a:extLst>
               <a:ext uri="{91240B29-F687-4f45-9708-019B960494DF}">
-                <a14:hiddenLine xmlns:a14="http://schemas.microsoft.com/office/drawing/2010/main" xmlns="" w="9525">
+                <a14:hiddenLine xmlns="" xmlns:a14="http://schemas.microsoft.com/office/drawing/2010/main" w="9525">
                   <a:solidFill>
                     <a:srgbClr val="000000"/>
                   </a:solidFill>
@@ -1046,7 +1051,7 @@
             </a:ln>
             <a:extLst>
               <a:ext uri="{91240B29-F687-4f45-9708-019B960494DF}">
-                <a14:hiddenLine xmlns:a14="http://schemas.microsoft.com/office/drawing/2010/main" xmlns="" w="9525">
+                <a14:hiddenLine xmlns="" xmlns:a14="http://schemas.microsoft.com/office/drawing/2010/main" w="9525">
                   <a:solidFill>
                     <a:srgbClr val="000000"/>
                   </a:solidFill>
@@ -1108,7 +1113,7 @@
             </a:ln>
             <a:extLst>
               <a:ext uri="{91240B29-F687-4f45-9708-019B960494DF}">
-                <a14:hiddenLine xmlns:a14="http://schemas.microsoft.com/office/drawing/2010/main" xmlns="" w="9525">
+                <a14:hiddenLine xmlns="" xmlns:a14="http://schemas.microsoft.com/office/drawing/2010/main" w="9525">
                   <a:solidFill>
                     <a:srgbClr val="000000"/>
                   </a:solidFill>
@@ -1218,7 +1223,7 @@
             </a:ln>
             <a:extLst>
               <a:ext uri="{91240B29-F687-4f45-9708-019B960494DF}">
-                <a14:hiddenLine xmlns:a14="http://schemas.microsoft.com/office/drawing/2010/main" xmlns="" w="9525">
+                <a14:hiddenLine xmlns="" xmlns:a14="http://schemas.microsoft.com/office/drawing/2010/main" w="9525">
                   <a:solidFill>
                     <a:srgbClr val="000000"/>
                   </a:solidFill>
@@ -1280,7 +1285,7 @@
             </a:ln>
             <a:extLst>
               <a:ext uri="{91240B29-F687-4f45-9708-019B960494DF}">
-                <a14:hiddenLine xmlns:a14="http://schemas.microsoft.com/office/drawing/2010/main" xmlns="" w="9525">
+                <a14:hiddenLine xmlns="" xmlns:a14="http://schemas.microsoft.com/office/drawing/2010/main" w="9525">
                   <a:solidFill>
                     <a:srgbClr val="000000"/>
                   </a:solidFill>
@@ -1370,7 +1375,7 @@
             </a:ln>
             <a:extLst>
               <a:ext uri="{91240B29-F687-4f45-9708-019B960494DF}">
-                <a14:hiddenLine xmlns:a14="http://schemas.microsoft.com/office/drawing/2010/main" xmlns="" w="9525">
+                <a14:hiddenLine xmlns="" xmlns:a14="http://schemas.microsoft.com/office/drawing/2010/main" w="9525">
                   <a:solidFill>
                     <a:srgbClr val="000000"/>
                   </a:solidFill>
@@ -1460,7 +1465,7 @@
             </a:ln>
             <a:extLst>
               <a:ext uri="{91240B29-F687-4f45-9708-019B960494DF}">
-                <a14:hiddenLine xmlns:a14="http://schemas.microsoft.com/office/drawing/2010/main" xmlns="" w="9525">
+                <a14:hiddenLine xmlns="" xmlns:a14="http://schemas.microsoft.com/office/drawing/2010/main" w="9525">
                   <a:solidFill>
                     <a:srgbClr val="000000"/>
                   </a:solidFill>
@@ -1522,7 +1527,7 @@
             </a:ln>
             <a:extLst>
               <a:ext uri="{91240B29-F687-4f45-9708-019B960494DF}">
-                <a14:hiddenLine xmlns:a14="http://schemas.microsoft.com/office/drawing/2010/main" xmlns="" w="9525">
+                <a14:hiddenLine xmlns="" xmlns:a14="http://schemas.microsoft.com/office/drawing/2010/main" w="9525">
                   <a:solidFill>
                     <a:srgbClr val="000000"/>
                   </a:solidFill>
@@ -1612,7 +1617,7 @@
             </a:ln>
             <a:extLst>
               <a:ext uri="{91240B29-F687-4f45-9708-019B960494DF}">
-                <a14:hiddenLine xmlns:a14="http://schemas.microsoft.com/office/drawing/2010/main" xmlns="" w="9525">
+                <a14:hiddenLine xmlns="" xmlns:a14="http://schemas.microsoft.com/office/drawing/2010/main" w="9525">
                   <a:solidFill>
                     <a:srgbClr val="000000"/>
                   </a:solidFill>
@@ -1702,7 +1707,7 @@
             </a:ln>
             <a:extLst>
               <a:ext uri="{91240B29-F687-4f45-9708-019B960494DF}">
-                <a14:hiddenLine xmlns:a14="http://schemas.microsoft.com/office/drawing/2010/main" xmlns="" w="9525">
+                <a14:hiddenLine xmlns="" xmlns:a14="http://schemas.microsoft.com/office/drawing/2010/main" w="9525">
                   <a:solidFill>
                     <a:srgbClr val="000000"/>
                   </a:solidFill>
@@ -1758,7 +1763,7 @@
             </a:ln>
             <a:extLst>
               <a:ext uri="{91240B29-F687-4f45-9708-019B960494DF}">
-                <a14:hiddenLine xmlns:a14="http://schemas.microsoft.com/office/drawing/2010/main" xmlns="" w="9525">
+                <a14:hiddenLine xmlns="" xmlns:a14="http://schemas.microsoft.com/office/drawing/2010/main" w="9525">
                   <a:solidFill>
                     <a:srgbClr val="000000"/>
                   </a:solidFill>
@@ -1848,7 +1853,7 @@
             </a:ln>
             <a:extLst>
               <a:ext uri="{91240B29-F687-4f45-9708-019B960494DF}">
-                <a14:hiddenLine xmlns:a14="http://schemas.microsoft.com/office/drawing/2010/main" xmlns="" w="9525">
+                <a14:hiddenLine xmlns="" xmlns:a14="http://schemas.microsoft.com/office/drawing/2010/main" w="9525">
                   <a:solidFill>
                     <a:srgbClr val="000000"/>
                   </a:solidFill>
@@ -1904,7 +1909,7 @@
             </a:ln>
             <a:extLst>
               <a:ext uri="{91240B29-F687-4f45-9708-019B960494DF}">
-                <a14:hiddenLine xmlns:a14="http://schemas.microsoft.com/office/drawing/2010/main" xmlns="" w="9525">
+                <a14:hiddenLine xmlns="" xmlns:a14="http://schemas.microsoft.com/office/drawing/2010/main" w="9525">
                   <a:solidFill>
                     <a:srgbClr val="000000"/>
                   </a:solidFill>
@@ -1994,7 +1999,7 @@
             </a:ln>
             <a:extLst>
               <a:ext uri="{91240B29-F687-4f45-9708-019B960494DF}">
-                <a14:hiddenLine xmlns:a14="http://schemas.microsoft.com/office/drawing/2010/main" xmlns="" w="9525">
+                <a14:hiddenLine xmlns="" xmlns:a14="http://schemas.microsoft.com/office/drawing/2010/main" w="9525">
                   <a:solidFill>
                     <a:srgbClr val="000000"/>
                   </a:solidFill>
@@ -2062,7 +2067,7 @@
             </a:ln>
             <a:extLst>
               <a:ext uri="{91240B29-F687-4f45-9708-019B960494DF}">
-                <a14:hiddenLine xmlns:a14="http://schemas.microsoft.com/office/drawing/2010/main" xmlns="" w="9525">
+                <a14:hiddenLine xmlns="" xmlns:a14="http://schemas.microsoft.com/office/drawing/2010/main" w="9525">
                   <a:solidFill>
                     <a:srgbClr val="000000"/>
                   </a:solidFill>
@@ -2152,7 +2157,7 @@
             </a:ln>
             <a:extLst>
               <a:ext uri="{91240B29-F687-4f45-9708-019B960494DF}">
-                <a14:hiddenLine xmlns:a14="http://schemas.microsoft.com/office/drawing/2010/main" xmlns="" w="9525">
+                <a14:hiddenLine xmlns="" xmlns:a14="http://schemas.microsoft.com/office/drawing/2010/main" w="9525">
                   <a:solidFill>
                     <a:srgbClr val="000000"/>
                   </a:solidFill>
@@ -2220,7 +2225,7 @@
             </a:ln>
             <a:extLst>
               <a:ext uri="{91240B29-F687-4f45-9708-019B960494DF}">
-                <a14:hiddenLine xmlns:a14="http://schemas.microsoft.com/office/drawing/2010/main" xmlns="" w="9525">
+                <a14:hiddenLine xmlns="" xmlns:a14="http://schemas.microsoft.com/office/drawing/2010/main" w="9525">
                   <a:solidFill>
                     <a:srgbClr val="000000"/>
                   </a:solidFill>
@@ -2310,7 +2315,7 @@
             </a:ln>
             <a:extLst>
               <a:ext uri="{91240B29-F687-4f45-9708-019B960494DF}">
-                <a14:hiddenLine xmlns:a14="http://schemas.microsoft.com/office/drawing/2010/main" xmlns="" w="9525">
+                <a14:hiddenLine xmlns="" xmlns:a14="http://schemas.microsoft.com/office/drawing/2010/main" w="9525">
                   <a:solidFill>
                     <a:srgbClr val="000000"/>
                   </a:solidFill>
@@ -2344,7 +2349,7 @@
             </a:ln>
             <a:extLst>
               <a:ext uri="{91240B29-F687-4f45-9708-019B960494DF}">
-                <a14:hiddenLine xmlns:a14="http://schemas.microsoft.com/office/drawing/2010/main" xmlns="" w="9525">
+                <a14:hiddenLine xmlns="" xmlns:a14="http://schemas.microsoft.com/office/drawing/2010/main" w="9525">
                   <a:solidFill>
                     <a:srgbClr val="000000"/>
                   </a:solidFill>
@@ -2434,7 +2439,7 @@
             </a:ln>
             <a:extLst>
               <a:ext uri="{91240B29-F687-4f45-9708-019B960494DF}">
-                <a14:hiddenLine xmlns:a14="http://schemas.microsoft.com/office/drawing/2010/main" xmlns="" w="9525">
+                <a14:hiddenLine xmlns="" xmlns:a14="http://schemas.microsoft.com/office/drawing/2010/main" w="9525">
                   <a:solidFill>
                     <a:srgbClr val="000000"/>
                   </a:solidFill>
@@ -2496,7 +2501,7 @@
             </a:ln>
             <a:extLst>
               <a:ext uri="{91240B29-F687-4f45-9708-019B960494DF}">
-                <a14:hiddenLine xmlns:a14="http://schemas.microsoft.com/office/drawing/2010/main" xmlns="" w="9525">
+                <a14:hiddenLine xmlns="" xmlns:a14="http://schemas.microsoft.com/office/drawing/2010/main" w="9525">
                   <a:solidFill>
                     <a:srgbClr val="000000"/>
                   </a:solidFill>
@@ -2558,7 +2563,7 @@
             </a:ln>
             <a:extLst>
               <a:ext uri="{91240B29-F687-4f45-9708-019B960494DF}">
-                <a14:hiddenLine xmlns:a14="http://schemas.microsoft.com/office/drawing/2010/main" xmlns="" w="9525">
+                <a14:hiddenLine xmlns="" xmlns:a14="http://schemas.microsoft.com/office/drawing/2010/main" w="9525">
                   <a:solidFill>
                     <a:srgbClr val="000000"/>
                   </a:solidFill>
@@ -2648,7 +2653,7 @@
             </a:ln>
             <a:extLst>
               <a:ext uri="{91240B29-F687-4f45-9708-019B960494DF}">
-                <a14:hiddenLine xmlns:a14="http://schemas.microsoft.com/office/drawing/2010/main" xmlns="" w="9525">
+                <a14:hiddenLine xmlns="" xmlns:a14="http://schemas.microsoft.com/office/drawing/2010/main" w="9525">
                   <a:solidFill>
                     <a:srgbClr val="000000"/>
                   </a:solidFill>
@@ -2716,7 +2721,7 @@
             </a:ln>
             <a:extLst>
               <a:ext uri="{91240B29-F687-4f45-9708-019B960494DF}">
-                <a14:hiddenLine xmlns:a14="http://schemas.microsoft.com/office/drawing/2010/main" xmlns="" w="9525">
+                <a14:hiddenLine xmlns="" xmlns:a14="http://schemas.microsoft.com/office/drawing/2010/main" w="9525">
                   <a:solidFill>
                     <a:srgbClr val="000000"/>
                   </a:solidFill>
@@ -2778,7 +2783,7 @@
             </a:ln>
             <a:extLst>
               <a:ext uri="{91240B29-F687-4f45-9708-019B960494DF}">
-                <a14:hiddenLine xmlns:a14="http://schemas.microsoft.com/office/drawing/2010/main" xmlns="" w="9525">
+                <a14:hiddenLine xmlns="" xmlns:a14="http://schemas.microsoft.com/office/drawing/2010/main" w="9525">
                   <a:solidFill>
                     <a:srgbClr val="000000"/>
                   </a:solidFill>
@@ -2868,7 +2873,7 @@
             </a:ln>
             <a:extLst>
               <a:ext uri="{91240B29-F687-4f45-9708-019B960494DF}">
-                <a14:hiddenLine xmlns:a14="http://schemas.microsoft.com/office/drawing/2010/main" xmlns="" w="9525">
+                <a14:hiddenLine xmlns="" xmlns:a14="http://schemas.microsoft.com/office/drawing/2010/main" w="9525">
                   <a:solidFill>
                     <a:srgbClr val="000000"/>
                   </a:solidFill>
@@ -2930,7 +2935,7 @@
             </a:ln>
             <a:extLst>
               <a:ext uri="{91240B29-F687-4f45-9708-019B960494DF}">
-                <a14:hiddenLine xmlns:a14="http://schemas.microsoft.com/office/drawing/2010/main" xmlns="" w="9525">
+                <a14:hiddenLine xmlns="" xmlns:a14="http://schemas.microsoft.com/office/drawing/2010/main" w="9525">
                   <a:solidFill>
                     <a:srgbClr val="000000"/>
                   </a:solidFill>
@@ -3020,7 +3025,7 @@
             </a:ln>
             <a:extLst>
               <a:ext uri="{91240B29-F687-4f45-9708-019B960494DF}">
-                <a14:hiddenLine xmlns:a14="http://schemas.microsoft.com/office/drawing/2010/main" xmlns="" w="9525">
+                <a14:hiddenLine xmlns="" xmlns:a14="http://schemas.microsoft.com/office/drawing/2010/main" w="9525">
                   <a:solidFill>
                     <a:srgbClr val="000000"/>
                   </a:solidFill>
@@ -3082,7 +3087,7 @@
             </a:ln>
             <a:extLst>
               <a:ext uri="{91240B29-F687-4f45-9708-019B960494DF}">
-                <a14:hiddenLine xmlns:a14="http://schemas.microsoft.com/office/drawing/2010/main" xmlns="" w="9525">
+                <a14:hiddenLine xmlns="" xmlns:a14="http://schemas.microsoft.com/office/drawing/2010/main" w="9525">
                   <a:solidFill>
                     <a:srgbClr val="000000"/>
                   </a:solidFill>
@@ -3172,7 +3177,7 @@
             </a:ln>
             <a:extLst>
               <a:ext uri="{91240B29-F687-4f45-9708-019B960494DF}">
-                <a14:hiddenLine xmlns:a14="http://schemas.microsoft.com/office/drawing/2010/main" xmlns="" w="9525">
+                <a14:hiddenLine xmlns="" xmlns:a14="http://schemas.microsoft.com/office/drawing/2010/main" w="9525">
                   <a:solidFill>
                     <a:srgbClr val="000000"/>
                   </a:solidFill>
@@ -3206,7 +3211,7 @@
             </a:ln>
             <a:extLst>
               <a:ext uri="{91240B29-F687-4f45-9708-019B960494DF}">
-                <a14:hiddenLine xmlns:a14="http://schemas.microsoft.com/office/drawing/2010/main" xmlns="" w="9525">
+                <a14:hiddenLine xmlns="" xmlns:a14="http://schemas.microsoft.com/office/drawing/2010/main" w="9525">
                   <a:solidFill>
                     <a:srgbClr val="000000"/>
                   </a:solidFill>
@@ -3271,7 +3276,7 @@
             </a:ln>
             <a:extLst>
               <a:ext uri="{91240B29-F687-4f45-9708-019B960494DF}">
-                <a14:hiddenLine xmlns:a14="http://schemas.microsoft.com/office/drawing/2010/main" xmlns="" w="9525">
+                <a14:hiddenLine xmlns="" xmlns:a14="http://schemas.microsoft.com/office/drawing/2010/main" w="9525">
                   <a:solidFill>
                     <a:srgbClr val="000000"/>
                   </a:solidFill>
@@ -3361,7 +3366,7 @@
             </a:ln>
             <a:extLst>
               <a:ext uri="{91240B29-F687-4f45-9708-019B960494DF}">
-                <a14:hiddenLine xmlns:a14="http://schemas.microsoft.com/office/drawing/2010/main" xmlns="" w="9525">
+                <a14:hiddenLine xmlns="" xmlns:a14="http://schemas.microsoft.com/office/drawing/2010/main" w="9525">
                   <a:solidFill>
                     <a:srgbClr val="000000"/>
                   </a:solidFill>
@@ -3423,7 +3428,7 @@
             </a:ln>
             <a:extLst>
               <a:ext uri="{91240B29-F687-4f45-9708-019B960494DF}">
-                <a14:hiddenLine xmlns:a14="http://schemas.microsoft.com/office/drawing/2010/main" xmlns="" w="9525">
+                <a14:hiddenLine xmlns="" xmlns:a14="http://schemas.microsoft.com/office/drawing/2010/main" w="9525">
                   <a:solidFill>
                     <a:srgbClr val="000000"/>
                   </a:solidFill>
@@ -3513,7 +3518,7 @@
             </a:ln>
             <a:extLst>
               <a:ext uri="{91240B29-F687-4f45-9708-019B960494DF}">
-                <a14:hiddenLine xmlns:a14="http://schemas.microsoft.com/office/drawing/2010/main" xmlns="" w="9525">
+                <a14:hiddenLine xmlns="" xmlns:a14="http://schemas.microsoft.com/office/drawing/2010/main" w="9525">
                   <a:solidFill>
                     <a:srgbClr val="000000"/>
                   </a:solidFill>
@@ -3603,7 +3608,7 @@
             </a:ln>
             <a:extLst>
               <a:ext uri="{91240B29-F687-4f45-9708-019B960494DF}">
-                <a14:hiddenLine xmlns:a14="http://schemas.microsoft.com/office/drawing/2010/main" xmlns="" w="9525">
+                <a14:hiddenLine xmlns="" xmlns:a14="http://schemas.microsoft.com/office/drawing/2010/main" w="9525">
                   <a:solidFill>
                     <a:srgbClr val="000000"/>
                   </a:solidFill>
@@ -3668,7 +3673,7 @@
             </a:ln>
             <a:extLst>
               <a:ext uri="{91240B29-F687-4f45-9708-019B960494DF}">
-                <a14:hiddenLine xmlns:a14="http://schemas.microsoft.com/office/drawing/2010/main" xmlns="" w="9525">
+                <a14:hiddenLine xmlns="" xmlns:a14="http://schemas.microsoft.com/office/drawing/2010/main" w="9525">
                   <a:solidFill>
                     <a:srgbClr val="000000"/>
                   </a:solidFill>
@@ -3730,7 +3735,7 @@
             </a:ln>
             <a:extLst>
               <a:ext uri="{91240B29-F687-4f45-9708-019B960494DF}">
-                <a14:hiddenLine xmlns:a14="http://schemas.microsoft.com/office/drawing/2010/main" xmlns="" w="9525">
+                <a14:hiddenLine xmlns="" xmlns:a14="http://schemas.microsoft.com/office/drawing/2010/main" w="9525">
                   <a:solidFill>
                     <a:srgbClr val="000000"/>
                   </a:solidFill>
@@ -3820,7 +3825,7 @@
             </a:ln>
             <a:extLst>
               <a:ext uri="{91240B29-F687-4f45-9708-019B960494DF}">
-                <a14:hiddenLine xmlns:a14="http://schemas.microsoft.com/office/drawing/2010/main" xmlns="" w="9525">
+                <a14:hiddenLine xmlns="" xmlns:a14="http://schemas.microsoft.com/office/drawing/2010/main" w="9525">
                   <a:solidFill>
                     <a:srgbClr val="000000"/>
                   </a:solidFill>
@@ -3910,7 +3915,7 @@
             </a:ln>
             <a:extLst>
               <a:ext uri="{91240B29-F687-4f45-9708-019B960494DF}">
-                <a14:hiddenLine xmlns:a14="http://schemas.microsoft.com/office/drawing/2010/main" xmlns="" w="9525">
+                <a14:hiddenLine xmlns="" xmlns:a14="http://schemas.microsoft.com/office/drawing/2010/main" w="9525">
                   <a:solidFill>
                     <a:srgbClr val="000000"/>
                   </a:solidFill>
@@ -3972,7 +3977,7 @@
             </a:ln>
             <a:extLst>
               <a:ext uri="{91240B29-F687-4f45-9708-019B960494DF}">
-                <a14:hiddenLine xmlns:a14="http://schemas.microsoft.com/office/drawing/2010/main" xmlns="" w="9525">
+                <a14:hiddenLine xmlns="" xmlns:a14="http://schemas.microsoft.com/office/drawing/2010/main" w="9525">
                   <a:solidFill>
                     <a:srgbClr val="000000"/>
                   </a:solidFill>
@@ -4092,7 +4097,7 @@
             </a:ln>
             <a:extLst>
               <a:ext uri="{91240B29-F687-4f45-9708-019B960494DF}">
-                <a14:hiddenLine xmlns:a14="http://schemas.microsoft.com/office/drawing/2010/main" xmlns="" w="9525">
+                <a14:hiddenLine xmlns="" xmlns:a14="http://schemas.microsoft.com/office/drawing/2010/main" w="9525">
                   <a:solidFill>
                     <a:srgbClr val="000000"/>
                   </a:solidFill>
@@ -4160,7 +4165,7 @@
             </a:ln>
             <a:extLst>
               <a:ext uri="{91240B29-F687-4f45-9708-019B960494DF}">
-                <a14:hiddenLine xmlns:a14="http://schemas.microsoft.com/office/drawing/2010/main" xmlns="" w="9525">
+                <a14:hiddenLine xmlns="" xmlns:a14="http://schemas.microsoft.com/office/drawing/2010/main" w="9525">
                   <a:solidFill>
                     <a:srgbClr val="000000"/>
                   </a:solidFill>
@@ -4250,7 +4255,7 @@
             </a:ln>
             <a:extLst>
               <a:ext uri="{91240B29-F687-4f45-9708-019B960494DF}">
-                <a14:hiddenLine xmlns:a14="http://schemas.microsoft.com/office/drawing/2010/main" xmlns="" w="9525">
+                <a14:hiddenLine xmlns="" xmlns:a14="http://schemas.microsoft.com/office/drawing/2010/main" w="9525">
                   <a:solidFill>
                     <a:srgbClr val="000000"/>
                   </a:solidFill>
@@ -4390,7 +4395,7 @@
           <a:p>
             <a:fld id="{48A87A34-81AB-432B-8DAE-1953F412C126}" type="datetimeFigureOut">
               <a:rPr lang="en-US" dirty="0"/>
-              <a:t>9/8/18</a:t>
+              <a:t>9/9/18</a:t>
             </a:fld>
             <a:endParaRPr lang="en-US" dirty="0"/>
           </a:p>
@@ -4652,7 +4657,7 @@
           <a:p>
             <a:fld id="{48A87A34-81AB-432B-8DAE-1953F412C126}" type="datetimeFigureOut">
               <a:rPr lang="en-US" dirty="0"/>
-              <a:t>9/8/18</a:t>
+              <a:t>9/9/18</a:t>
             </a:fld>
             <a:endParaRPr lang="en-US" dirty="0"/>
           </a:p>
@@ -4843,7 +4848,7 @@
           <a:p>
             <a:fld id="{48A87A34-81AB-432B-8DAE-1953F412C126}" type="datetimeFigureOut">
               <a:rPr lang="en-US" dirty="0"/>
-              <a:t>9/8/18</a:t>
+              <a:t>9/9/18</a:t>
             </a:fld>
             <a:endParaRPr lang="en-US" dirty="0"/>
           </a:p>
@@ -5101,7 +5106,7 @@
           <a:p>
             <a:fld id="{48A87A34-81AB-432B-8DAE-1953F412C126}" type="datetimeFigureOut">
               <a:rPr lang="en-US" dirty="0"/>
-              <a:t>9/8/18</a:t>
+              <a:t>9/9/18</a:t>
             </a:fld>
             <a:endParaRPr lang="en-US" dirty="0"/>
           </a:p>
@@ -5530,7 +5535,7 @@
           <a:p>
             <a:fld id="{48A87A34-81AB-432B-8DAE-1953F412C126}" type="datetimeFigureOut">
               <a:rPr lang="en-US" dirty="0"/>
-              <a:t>9/8/18</a:t>
+              <a:t>9/9/18</a:t>
             </a:fld>
             <a:endParaRPr lang="en-US" dirty="0"/>
           </a:p>
@@ -6071,7 +6076,7 @@
           <a:p>
             <a:fld id="{48A87A34-81AB-432B-8DAE-1953F412C126}" type="datetimeFigureOut">
               <a:rPr lang="en-US" dirty="0"/>
-              <a:t>9/8/18</a:t>
+              <a:t>9/9/18</a:t>
             </a:fld>
             <a:endParaRPr lang="en-US" dirty="0"/>
           </a:p>
@@ -6786,7 +6791,7 @@
           <a:p>
             <a:fld id="{48A87A34-81AB-432B-8DAE-1953F412C126}" type="datetimeFigureOut">
               <a:rPr lang="en-US" dirty="0"/>
-              <a:t>9/8/18</a:t>
+              <a:t>9/9/18</a:t>
             </a:fld>
             <a:endParaRPr lang="en-US" dirty="0"/>
           </a:p>
@@ -6951,7 +6956,7 @@
           <a:p>
             <a:fld id="{48A87A34-81AB-432B-8DAE-1953F412C126}" type="datetimeFigureOut">
               <a:rPr lang="en-US" dirty="0"/>
-              <a:t>9/8/18</a:t>
+              <a:t>9/9/18</a:t>
             </a:fld>
             <a:endParaRPr lang="en-US" dirty="0"/>
           </a:p>
@@ -7126,7 +7131,7 @@
           <a:p>
             <a:fld id="{48A87A34-81AB-432B-8DAE-1953F412C126}" type="datetimeFigureOut">
               <a:rPr lang="en-US" dirty="0"/>
-              <a:t>9/8/18</a:t>
+              <a:t>9/9/18</a:t>
             </a:fld>
             <a:endParaRPr lang="en-US" dirty="0"/>
           </a:p>
@@ -7291,7 +7296,7 @@
           <a:p>
             <a:fld id="{48A87A34-81AB-432B-8DAE-1953F412C126}" type="datetimeFigureOut">
               <a:rPr lang="en-US" dirty="0"/>
-              <a:t>9/8/18</a:t>
+              <a:t>9/9/18</a:t>
             </a:fld>
             <a:endParaRPr lang="en-US" dirty="0"/>
           </a:p>
@@ -7536,7 +7541,7 @@
           <a:p>
             <a:fld id="{48A87A34-81AB-432B-8DAE-1953F412C126}" type="datetimeFigureOut">
               <a:rPr lang="en-US" dirty="0"/>
-              <a:t>9/8/18</a:t>
+              <a:t>9/9/18</a:t>
             </a:fld>
             <a:endParaRPr lang="en-US" dirty="0"/>
           </a:p>
@@ -7763,7 +7768,7 @@
           <a:p>
             <a:fld id="{48A87A34-81AB-432B-8DAE-1953F412C126}" type="datetimeFigureOut">
               <a:rPr lang="en-US" dirty="0"/>
-              <a:t>9/8/18</a:t>
+              <a:t>9/9/18</a:t>
             </a:fld>
             <a:endParaRPr lang="en-US" dirty="0"/>
           </a:p>
@@ -8139,7 +8144,7 @@
           <a:p>
             <a:fld id="{48A87A34-81AB-432B-8DAE-1953F412C126}" type="datetimeFigureOut">
               <a:rPr lang="en-US" dirty="0"/>
-              <a:t>9/8/18</a:t>
+              <a:t>9/9/18</a:t>
             </a:fld>
             <a:endParaRPr lang="en-US" dirty="0"/>
           </a:p>
@@ -8252,7 +8257,7 @@
           <a:p>
             <a:fld id="{48A87A34-81AB-432B-8DAE-1953F412C126}" type="datetimeFigureOut">
               <a:rPr lang="en-US" dirty="0"/>
-              <a:t>9/8/18</a:t>
+              <a:t>9/9/18</a:t>
             </a:fld>
             <a:endParaRPr lang="en-US" dirty="0"/>
           </a:p>
@@ -8342,7 +8347,7 @@
           <a:p>
             <a:fld id="{48A87A34-81AB-432B-8DAE-1953F412C126}" type="datetimeFigureOut">
               <a:rPr lang="en-US" dirty="0"/>
-              <a:t>9/8/18</a:t>
+              <a:t>9/9/18</a:t>
             </a:fld>
             <a:endParaRPr lang="en-US" dirty="0"/>
           </a:p>
@@ -8586,7 +8591,7 @@
           <a:p>
             <a:fld id="{48A87A34-81AB-432B-8DAE-1953F412C126}" type="datetimeFigureOut">
               <a:rPr lang="en-US" dirty="0"/>
-              <a:t>9/8/18</a:t>
+              <a:t>9/9/18</a:t>
             </a:fld>
             <a:endParaRPr lang="en-US" dirty="0"/>
           </a:p>
@@ -8861,7 +8866,7 @@
           <a:p>
             <a:fld id="{48A87A34-81AB-432B-8DAE-1953F412C126}" type="datetimeFigureOut">
               <a:rPr lang="en-US" dirty="0"/>
-              <a:t>9/8/18</a:t>
+              <a:t>9/9/18</a:t>
             </a:fld>
             <a:endParaRPr lang="en-US" dirty="0"/>
           </a:p>
@@ -8972,7 +8977,7 @@
           <a:noFill/>
           <a:extLst>
             <a:ext uri="{909E8E84-426E-40dd-AFC4-6F175D3DCCD1}">
-              <a14:hiddenFill xmlns:a14="http://schemas.microsoft.com/office/drawing/2010/main" xmlns="">
+              <a14:hiddenFill xmlns="" xmlns:a14="http://schemas.microsoft.com/office/drawing/2010/main">
                 <a:solidFill>
                   <a:srgbClr val="FFFFFF"/>
                 </a:solidFill>
@@ -9046,7 +9051,7 @@
               </a:ln>
               <a:extLst>
                 <a:ext uri="{91240B29-F687-4f45-9708-019B960494DF}">
-                  <a14:hiddenLine xmlns:a14="http://schemas.microsoft.com/office/drawing/2010/main" xmlns="" w="9525">
+                  <a14:hiddenLine xmlns="" xmlns:a14="http://schemas.microsoft.com/office/drawing/2010/main" w="9525">
                     <a:solidFill>
                       <a:srgbClr val="000000"/>
                     </a:solidFill>
@@ -9136,7 +9141,7 @@
               </a:ln>
               <a:extLst>
                 <a:ext uri="{91240B29-F687-4f45-9708-019B960494DF}">
-                  <a14:hiddenLine xmlns:a14="http://schemas.microsoft.com/office/drawing/2010/main" xmlns="" w="9525">
+                  <a14:hiddenLine xmlns="" xmlns:a14="http://schemas.microsoft.com/office/drawing/2010/main" w="9525">
                     <a:solidFill>
                       <a:srgbClr val="000000"/>
                     </a:solidFill>
@@ -9226,7 +9231,7 @@
               </a:ln>
               <a:extLst>
                 <a:ext uri="{91240B29-F687-4f45-9708-019B960494DF}">
-                  <a14:hiddenLine xmlns:a14="http://schemas.microsoft.com/office/drawing/2010/main" xmlns="" w="9525">
+                  <a14:hiddenLine xmlns="" xmlns:a14="http://schemas.microsoft.com/office/drawing/2010/main" w="9525">
                     <a:solidFill>
                       <a:srgbClr val="000000"/>
                     </a:solidFill>
@@ -9288,7 +9293,7 @@
               </a:ln>
               <a:extLst>
                 <a:ext uri="{91240B29-F687-4f45-9708-019B960494DF}">
-                  <a14:hiddenLine xmlns:a14="http://schemas.microsoft.com/office/drawing/2010/main" xmlns="" w="9525">
+                  <a14:hiddenLine xmlns="" xmlns:a14="http://schemas.microsoft.com/office/drawing/2010/main" w="9525">
                     <a:solidFill>
                       <a:srgbClr val="000000"/>
                     </a:solidFill>
@@ -9378,7 +9383,7 @@
               </a:ln>
               <a:extLst>
                 <a:ext uri="{91240B29-F687-4f45-9708-019B960494DF}">
-                  <a14:hiddenLine xmlns:a14="http://schemas.microsoft.com/office/drawing/2010/main" xmlns="" w="9525">
+                  <a14:hiddenLine xmlns="" xmlns:a14="http://schemas.microsoft.com/office/drawing/2010/main" w="9525">
                     <a:solidFill>
                       <a:srgbClr val="000000"/>
                     </a:solidFill>
@@ -9440,7 +9445,7 @@
               </a:ln>
               <a:extLst>
                 <a:ext uri="{91240B29-F687-4f45-9708-019B960494DF}">
-                  <a14:hiddenLine xmlns:a14="http://schemas.microsoft.com/office/drawing/2010/main" xmlns="" w="9525">
+                  <a14:hiddenLine xmlns="" xmlns:a14="http://schemas.microsoft.com/office/drawing/2010/main" w="9525">
                     <a:solidFill>
                       <a:srgbClr val="000000"/>
                     </a:solidFill>
@@ -9502,7 +9507,7 @@
               </a:ln>
               <a:extLst>
                 <a:ext uri="{91240B29-F687-4f45-9708-019B960494DF}">
-                  <a14:hiddenLine xmlns:a14="http://schemas.microsoft.com/office/drawing/2010/main" xmlns="" w="9525">
+                  <a14:hiddenLine xmlns="" xmlns:a14="http://schemas.microsoft.com/office/drawing/2010/main" w="9525">
                     <a:solidFill>
                       <a:srgbClr val="000000"/>
                     </a:solidFill>
@@ -9592,7 +9597,7 @@
               </a:ln>
               <a:extLst>
                 <a:ext uri="{91240B29-F687-4f45-9708-019B960494DF}">
-                  <a14:hiddenLine xmlns:a14="http://schemas.microsoft.com/office/drawing/2010/main" xmlns="" w="9525">
+                  <a14:hiddenLine xmlns="" xmlns:a14="http://schemas.microsoft.com/office/drawing/2010/main" w="9525">
                     <a:solidFill>
                       <a:srgbClr val="000000"/>
                     </a:solidFill>
@@ -9682,7 +9687,7 @@
               </a:ln>
               <a:extLst>
                 <a:ext uri="{91240B29-F687-4f45-9708-019B960494DF}">
-                  <a14:hiddenLine xmlns:a14="http://schemas.microsoft.com/office/drawing/2010/main" xmlns="" w="9525">
+                  <a14:hiddenLine xmlns="" xmlns:a14="http://schemas.microsoft.com/office/drawing/2010/main" w="9525">
                     <a:solidFill>
                       <a:srgbClr val="000000"/>
                     </a:solidFill>
@@ -9744,7 +9749,7 @@
               </a:ln>
               <a:extLst>
                 <a:ext uri="{91240B29-F687-4f45-9708-019B960494DF}">
-                  <a14:hiddenLine xmlns:a14="http://schemas.microsoft.com/office/drawing/2010/main" xmlns="" w="9525">
+                  <a14:hiddenLine xmlns="" xmlns:a14="http://schemas.microsoft.com/office/drawing/2010/main" w="9525">
                     <a:solidFill>
                       <a:srgbClr val="000000"/>
                     </a:solidFill>
@@ -9854,7 +9859,7 @@
               </a:ln>
               <a:extLst>
                 <a:ext uri="{91240B29-F687-4f45-9708-019B960494DF}">
-                  <a14:hiddenLine xmlns:a14="http://schemas.microsoft.com/office/drawing/2010/main" xmlns="" w="9525">
+                  <a14:hiddenLine xmlns="" xmlns:a14="http://schemas.microsoft.com/office/drawing/2010/main" w="9525">
                     <a:solidFill>
                       <a:srgbClr val="000000"/>
                     </a:solidFill>
@@ -9938,7 +9943,7 @@
               </a:ln>
               <a:extLst>
                 <a:ext uri="{91240B29-F687-4f45-9708-019B960494DF}">
-                  <a14:hiddenLine xmlns:a14="http://schemas.microsoft.com/office/drawing/2010/main" xmlns="" w="9525">
+                  <a14:hiddenLine xmlns="" xmlns:a14="http://schemas.microsoft.com/office/drawing/2010/main" w="9525">
                     <a:solidFill>
                       <a:srgbClr val="000000"/>
                     </a:solidFill>
@@ -10000,7 +10005,7 @@
               </a:ln>
               <a:extLst>
                 <a:ext uri="{91240B29-F687-4f45-9708-019B960494DF}">
-                  <a14:hiddenLine xmlns:a14="http://schemas.microsoft.com/office/drawing/2010/main" xmlns="" w="9525">
+                  <a14:hiddenLine xmlns="" xmlns:a14="http://schemas.microsoft.com/office/drawing/2010/main" w="9525">
                     <a:solidFill>
                       <a:srgbClr val="000000"/>
                     </a:solidFill>
@@ -10062,7 +10067,7 @@
               </a:ln>
               <a:extLst>
                 <a:ext uri="{91240B29-F687-4f45-9708-019B960494DF}">
-                  <a14:hiddenLine xmlns:a14="http://schemas.microsoft.com/office/drawing/2010/main" xmlns="" w="9525">
+                  <a14:hiddenLine xmlns="" xmlns:a14="http://schemas.microsoft.com/office/drawing/2010/main" w="9525">
                     <a:solidFill>
                       <a:srgbClr val="000000"/>
                     </a:solidFill>
@@ -10152,7 +10157,7 @@
               </a:ln>
               <a:extLst>
                 <a:ext uri="{91240B29-F687-4f45-9708-019B960494DF}">
-                  <a14:hiddenLine xmlns:a14="http://schemas.microsoft.com/office/drawing/2010/main" xmlns="" w="9525">
+                  <a14:hiddenLine xmlns="" xmlns:a14="http://schemas.microsoft.com/office/drawing/2010/main" w="9525">
                     <a:solidFill>
                       <a:srgbClr val="000000"/>
                     </a:solidFill>
@@ -10186,7 +10191,7 @@
               </a:ln>
               <a:extLst>
                 <a:ext uri="{91240B29-F687-4f45-9708-019B960494DF}">
-                  <a14:hiddenLine xmlns:a14="http://schemas.microsoft.com/office/drawing/2010/main" xmlns="" w="9525">
+                  <a14:hiddenLine xmlns="" xmlns:a14="http://schemas.microsoft.com/office/drawing/2010/main" w="9525">
                     <a:solidFill>
                       <a:srgbClr val="000000"/>
                     </a:solidFill>
@@ -10251,7 +10256,7 @@
               </a:ln>
               <a:extLst>
                 <a:ext uri="{91240B29-F687-4f45-9708-019B960494DF}">
-                  <a14:hiddenLine xmlns:a14="http://schemas.microsoft.com/office/drawing/2010/main" xmlns="" w="9525">
+                  <a14:hiddenLine xmlns="" xmlns:a14="http://schemas.microsoft.com/office/drawing/2010/main" w="9525">
                     <a:solidFill>
                       <a:srgbClr val="000000"/>
                     </a:solidFill>
@@ -10341,7 +10346,7 @@
               </a:ln>
               <a:extLst>
                 <a:ext uri="{91240B29-F687-4f45-9708-019B960494DF}">
-                  <a14:hiddenLine xmlns:a14="http://schemas.microsoft.com/office/drawing/2010/main" xmlns="" w="9525">
+                  <a14:hiddenLine xmlns="" xmlns:a14="http://schemas.microsoft.com/office/drawing/2010/main" w="9525">
                     <a:solidFill>
                       <a:srgbClr val="000000"/>
                     </a:solidFill>
@@ -10403,7 +10408,7 @@
               </a:ln>
               <a:extLst>
                 <a:ext uri="{91240B29-F687-4f45-9708-019B960494DF}">
-                  <a14:hiddenLine xmlns:a14="http://schemas.microsoft.com/office/drawing/2010/main" xmlns="" w="9525">
+                  <a14:hiddenLine xmlns="" xmlns:a14="http://schemas.microsoft.com/office/drawing/2010/main" w="9525">
                     <a:solidFill>
                       <a:srgbClr val="000000"/>
                     </a:solidFill>
@@ -10493,7 +10498,7 @@
               </a:ln>
               <a:extLst>
                 <a:ext uri="{91240B29-F687-4f45-9708-019B960494DF}">
-                  <a14:hiddenLine xmlns:a14="http://schemas.microsoft.com/office/drawing/2010/main" xmlns="" w="9525">
+                  <a14:hiddenLine xmlns="" xmlns:a14="http://schemas.microsoft.com/office/drawing/2010/main" w="9525">
                     <a:solidFill>
                       <a:srgbClr val="000000"/>
                     </a:solidFill>
@@ -10558,7 +10563,7 @@
               </a:ln>
               <a:extLst>
                 <a:ext uri="{91240B29-F687-4f45-9708-019B960494DF}">
-                  <a14:hiddenLine xmlns:a14="http://schemas.microsoft.com/office/drawing/2010/main" xmlns="" w="9525">
+                  <a14:hiddenLine xmlns="" xmlns:a14="http://schemas.microsoft.com/office/drawing/2010/main" w="9525">
                     <a:solidFill>
                       <a:srgbClr val="000000"/>
                     </a:solidFill>
@@ -10620,7 +10625,7 @@
               </a:ln>
               <a:extLst>
                 <a:ext uri="{91240B29-F687-4f45-9708-019B960494DF}">
-                  <a14:hiddenLine xmlns:a14="http://schemas.microsoft.com/office/drawing/2010/main" xmlns="" w="9525">
+                  <a14:hiddenLine xmlns="" xmlns:a14="http://schemas.microsoft.com/office/drawing/2010/main" w="9525">
                     <a:solidFill>
                       <a:srgbClr val="000000"/>
                     </a:solidFill>
@@ -10710,7 +10715,7 @@
               </a:ln>
               <a:extLst>
                 <a:ext uri="{91240B29-F687-4f45-9708-019B960494DF}">
-                  <a14:hiddenLine xmlns:a14="http://schemas.microsoft.com/office/drawing/2010/main" xmlns="" w="9525">
+                  <a14:hiddenLine xmlns="" xmlns:a14="http://schemas.microsoft.com/office/drawing/2010/main" w="9525">
                     <a:solidFill>
                       <a:srgbClr val="000000"/>
                     </a:solidFill>
@@ -10800,7 +10805,7 @@
               </a:ln>
               <a:extLst>
                 <a:ext uri="{91240B29-F687-4f45-9708-019B960494DF}">
-                  <a14:hiddenLine xmlns:a14="http://schemas.microsoft.com/office/drawing/2010/main" xmlns="" w="9525">
+                  <a14:hiddenLine xmlns="" xmlns:a14="http://schemas.microsoft.com/office/drawing/2010/main" w="9525">
                     <a:solidFill>
                       <a:srgbClr val="000000"/>
                     </a:solidFill>
@@ -10865,7 +10870,7 @@
               </a:ln>
               <a:extLst>
                 <a:ext uri="{91240B29-F687-4f45-9708-019B960494DF}">
-                  <a14:hiddenLine xmlns:a14="http://schemas.microsoft.com/office/drawing/2010/main" xmlns="" w="9525">
+                  <a14:hiddenLine xmlns="" xmlns:a14="http://schemas.microsoft.com/office/drawing/2010/main" w="9525">
                     <a:solidFill>
                       <a:srgbClr val="000000"/>
                     </a:solidFill>
@@ -10985,7 +10990,7 @@
               </a:ln>
               <a:extLst>
                 <a:ext uri="{91240B29-F687-4f45-9708-019B960494DF}">
-                  <a14:hiddenLine xmlns:a14="http://schemas.microsoft.com/office/drawing/2010/main" xmlns="" w="9525">
+                  <a14:hiddenLine xmlns="" xmlns:a14="http://schemas.microsoft.com/office/drawing/2010/main" w="9525">
                     <a:solidFill>
                       <a:srgbClr val="000000"/>
                     </a:solidFill>
@@ -11083,7 +11088,7 @@
               </a:ln>
               <a:extLst>
                 <a:ext uri="{91240B29-F687-4f45-9708-019B960494DF}">
-                  <a14:hiddenLine xmlns:a14="http://schemas.microsoft.com/office/drawing/2010/main" xmlns="" w="9525">
+                  <a14:hiddenLine xmlns="" xmlns:a14="http://schemas.microsoft.com/office/drawing/2010/main" w="9525">
                     <a:solidFill>
                       <a:srgbClr val="000000"/>
                     </a:solidFill>
@@ -11198,7 +11203,7 @@
               </a:ln>
               <a:extLst>
                 <a:ext uri="{91240B29-F687-4f45-9708-019B960494DF}">
-                  <a14:hiddenLine xmlns:a14="http://schemas.microsoft.com/office/drawing/2010/main" xmlns="" w="9525">
+                  <a14:hiddenLine xmlns="" xmlns:a14="http://schemas.microsoft.com/office/drawing/2010/main" w="9525">
                     <a:solidFill>
                       <a:srgbClr val="000000"/>
                     </a:solidFill>
@@ -11288,7 +11293,7 @@
               </a:ln>
               <a:extLst>
                 <a:ext uri="{91240B29-F687-4f45-9708-019B960494DF}">
-                  <a14:hiddenLine xmlns:a14="http://schemas.microsoft.com/office/drawing/2010/main" xmlns="" w="9525">
+                  <a14:hiddenLine xmlns="" xmlns:a14="http://schemas.microsoft.com/office/drawing/2010/main" w="9525">
                     <a:solidFill>
                       <a:srgbClr val="000000"/>
                     </a:solidFill>
@@ -11353,7 +11358,7 @@
               </a:ln>
               <a:extLst>
                 <a:ext uri="{91240B29-F687-4f45-9708-019B960494DF}">
-                  <a14:hiddenLine xmlns:a14="http://schemas.microsoft.com/office/drawing/2010/main" xmlns="" w="9525">
+                  <a14:hiddenLine xmlns="" xmlns:a14="http://schemas.microsoft.com/office/drawing/2010/main" w="9525">
                     <a:solidFill>
                       <a:srgbClr val="000000"/>
                     </a:solidFill>
@@ -11443,7 +11448,7 @@
               </a:ln>
               <a:extLst>
                 <a:ext uri="{91240B29-F687-4f45-9708-019B960494DF}">
-                  <a14:hiddenLine xmlns:a14="http://schemas.microsoft.com/office/drawing/2010/main" xmlns="" w="9525">
+                  <a14:hiddenLine xmlns="" xmlns:a14="http://schemas.microsoft.com/office/drawing/2010/main" w="9525">
                     <a:solidFill>
                       <a:srgbClr val="000000"/>
                     </a:solidFill>
@@ -11511,7 +11516,7 @@
               </a:ln>
               <a:extLst>
                 <a:ext uri="{91240B29-F687-4f45-9708-019B960494DF}">
-                  <a14:hiddenLine xmlns:a14="http://schemas.microsoft.com/office/drawing/2010/main" xmlns="" w="9525">
+                  <a14:hiddenLine xmlns="" xmlns:a14="http://schemas.microsoft.com/office/drawing/2010/main" w="9525">
                     <a:solidFill>
                       <a:srgbClr val="000000"/>
                     </a:solidFill>
@@ -11601,7 +11606,7 @@
               </a:ln>
               <a:extLst>
                 <a:ext uri="{91240B29-F687-4f45-9708-019B960494DF}">
-                  <a14:hiddenLine xmlns:a14="http://schemas.microsoft.com/office/drawing/2010/main" xmlns="" w="9525">
+                  <a14:hiddenLine xmlns="" xmlns:a14="http://schemas.microsoft.com/office/drawing/2010/main" w="9525">
                     <a:solidFill>
                       <a:srgbClr val="000000"/>
                     </a:solidFill>
@@ -11669,7 +11674,7 @@
               </a:ln>
               <a:extLst>
                 <a:ext uri="{91240B29-F687-4f45-9708-019B960494DF}">
-                  <a14:hiddenLine xmlns:a14="http://schemas.microsoft.com/office/drawing/2010/main" xmlns="" w="9525">
+                  <a14:hiddenLine xmlns="" xmlns:a14="http://schemas.microsoft.com/office/drawing/2010/main" w="9525">
                     <a:solidFill>
                       <a:srgbClr val="000000"/>
                     </a:solidFill>
@@ -11759,7 +11764,7 @@
               </a:ln>
               <a:extLst>
                 <a:ext uri="{91240B29-F687-4f45-9708-019B960494DF}">
-                  <a14:hiddenLine xmlns:a14="http://schemas.microsoft.com/office/drawing/2010/main" xmlns="" w="9525">
+                  <a14:hiddenLine xmlns="" xmlns:a14="http://schemas.microsoft.com/office/drawing/2010/main" w="9525">
                     <a:solidFill>
                       <a:srgbClr val="000000"/>
                     </a:solidFill>
@@ -11793,7 +11798,7 @@
               </a:ln>
               <a:extLst>
                 <a:ext uri="{91240B29-F687-4f45-9708-019B960494DF}">
-                  <a14:hiddenLine xmlns:a14="http://schemas.microsoft.com/office/drawing/2010/main" xmlns="" w="9525">
+                  <a14:hiddenLine xmlns="" xmlns:a14="http://schemas.microsoft.com/office/drawing/2010/main" w="9525">
                     <a:solidFill>
                       <a:srgbClr val="000000"/>
                     </a:solidFill>
@@ -11934,7 +11939,7 @@
             <a:fld id="{48A87A34-81AB-432B-8DAE-1953F412C126}" type="datetimeFigureOut">
               <a:rPr lang="en-US" dirty="0"/>
               <a:pPr/>
-              <a:t>9/8/18</a:t>
+              <a:t>9/9/18</a:t>
             </a:fld>
             <a:endParaRPr lang="en-US" dirty="0"/>
           </a:p>
@@ -12697,93 +12702,6 @@
 <file path=ppt/slides/slide3.xml><?xml version="1.0" encoding="utf-8"?>
 <p:sld xmlns:a="http://schemas.openxmlformats.org/drawingml/2006/main" xmlns:r="http://schemas.openxmlformats.org/officeDocument/2006/relationships" xmlns:p="http://schemas.openxmlformats.org/presentationml/2006/main">
   <p:cSld>
-    <p:spTree>
-      <p:nvGrpSpPr>
-        <p:cNvPr id="1" name=""/>
-        <p:cNvGrpSpPr/>
-        <p:nvPr/>
-      </p:nvGrpSpPr>
-      <p:grpSpPr>
-        <a:xfrm>
-          <a:off x="0" y="0"/>
-          <a:ext cx="0" cy="0"/>
-          <a:chOff x="0" y="0"/>
-          <a:chExt cx="0" cy="0"/>
-        </a:xfrm>
-      </p:grpSpPr>
-      <p:sp>
-        <p:nvSpPr>
-          <p:cNvPr id="2" name="Title 1"/>
-          <p:cNvSpPr>
-            <a:spLocks noGrp="1"/>
-          </p:cNvSpPr>
-          <p:nvPr>
-            <p:ph type="title"/>
-          </p:nvPr>
-        </p:nvSpPr>
-        <p:spPr/>
-        <p:txBody>
-          <a:bodyPr/>
-          <a:lstStyle/>
-          <a:p>
-            <a:r>
-              <a:rPr lang="en-US" dirty="0" smtClean="0"/>
-              <a:t>Product</a:t>
-            </a:r>
-            <a:endParaRPr lang="en-US" dirty="0"/>
-          </a:p>
-        </p:txBody>
-      </p:sp>
-      <p:sp>
-        <p:nvSpPr>
-          <p:cNvPr id="3" name="Content Placeholder 2"/>
-          <p:cNvSpPr>
-            <a:spLocks noGrp="1"/>
-          </p:cNvSpPr>
-          <p:nvPr>
-            <p:ph idx="1"/>
-          </p:nvPr>
-        </p:nvSpPr>
-        <p:spPr/>
-        <p:txBody>
-          <a:bodyPr/>
-          <a:lstStyle/>
-          <a:p>
-            <a:r>
-              <a:rPr lang="en-US" dirty="0" smtClean="0"/>
-              <a:t>Chrome plug-in</a:t>
-            </a:r>
-          </a:p>
-          <a:p>
-            <a:r>
-              <a:rPr lang="en-US" dirty="0" smtClean="0"/>
-              <a:t>Classifies news article as real or fake with 88% accuracy</a:t>
-            </a:r>
-          </a:p>
-          <a:p>
-            <a:r>
-              <a:rPr lang="en-US" dirty="0" smtClean="0"/>
-              <a:t>&lt;PICTURE OF CHROME PLUG IN EXAMPLE&gt;</a:t>
-            </a:r>
-          </a:p>
-        </p:txBody>
-      </p:sp>
-    </p:spTree>
-    <p:extLst>
-      <p:ext uri="{BB962C8B-B14F-4D97-AF65-F5344CB8AC3E}">
-        <p14:creationId xmlns:p14="http://schemas.microsoft.com/office/powerpoint/2010/main" val="1513765295"/>
-      </p:ext>
-    </p:extLst>
-  </p:cSld>
-  <p:clrMapOvr>
-    <a:masterClrMapping/>
-  </p:clrMapOvr>
-</p:sld>
-</file>
-
-<file path=ppt/slides/slide4.xml><?xml version="1.0" encoding="utf-8"?>
-<p:sld xmlns:a="http://schemas.openxmlformats.org/drawingml/2006/main" xmlns:r="http://schemas.openxmlformats.org/officeDocument/2006/relationships" xmlns:p="http://schemas.openxmlformats.org/presentationml/2006/main">
-  <p:cSld>
     <p:bg>
       <p:bgPr>
         <a:blipFill>
@@ -12963,7 +12881,7 @@
           <a:p>
             <a:r>
               <a:rPr lang="en-US" sz="3200" dirty="0"/>
-              <a:t>Data collection and storage</a:t>
+              <a:t>Product</a:t>
             </a:r>
           </a:p>
         </p:txBody>
@@ -12980,8 +12898,8 @@
         </p:nvSpPr>
         <p:spPr>
           <a:xfrm>
-            <a:off x="780239" y="2232554"/>
-            <a:ext cx="4055459" cy="3965046"/>
+            <a:off x="1141412" y="2249487"/>
+            <a:ext cx="3542869" cy="3965046"/>
           </a:xfrm>
         </p:spPr>
         <p:txBody>
@@ -12992,68 +12910,14 @@
           <a:p>
             <a:r>
               <a:rPr lang="en-US" sz="2000" dirty="0"/>
-              <a:t>NEWS API</a:t>
-            </a:r>
-          </a:p>
-          <a:p>
-            <a:pPr lvl="1"/>
-            <a:r>
-              <a:rPr lang="en-US" dirty="0"/>
-              <a:t>Searched for real and fake news using </a:t>
-            </a:r>
-            <a:r>
-              <a:rPr lang="en-US" dirty="0" err="1" smtClean="0"/>
-              <a:t>preclassified</a:t>
-            </a:r>
-            <a:r>
-              <a:rPr lang="en-US" dirty="0" smtClean="0"/>
-              <a:t> </a:t>
-            </a:r>
-            <a:r>
-              <a:rPr lang="en-US" dirty="0"/>
-              <a:t>sources</a:t>
-            </a:r>
-          </a:p>
-          <a:p>
-            <a:pPr lvl="0"/>
-            <a:r>
-              <a:rPr lang="en-US" sz="2000" dirty="0" err="1"/>
-              <a:t>DiffBot</a:t>
-            </a:r>
+              <a:t>Chrome plug-in</a:t>
+            </a:r>
+          </a:p>
+          <a:p>
             <a:r>
               <a:rPr lang="en-US" sz="2000" dirty="0"/>
-              <a:t> API</a:t>
-            </a:r>
-          </a:p>
-          <a:p>
-            <a:pPr lvl="1"/>
-            <a:r>
-              <a:rPr lang="en-US" dirty="0"/>
-              <a:t>Extracted text of article</a:t>
-            </a:r>
-          </a:p>
-          <a:p>
-            <a:pPr lvl="0"/>
-            <a:r>
-              <a:rPr lang="en-US" sz="2000" dirty="0"/>
-              <a:t>MongoDB and AWS</a:t>
-            </a:r>
-          </a:p>
-          <a:p>
-            <a:pPr lvl="1"/>
-            <a:r>
-              <a:rPr lang="en-US" dirty="0"/>
-              <a:t>Stored news </a:t>
-            </a:r>
-            <a:r>
-              <a:rPr lang="en-US" dirty="0" smtClean="0"/>
-              <a:t>metadata</a:t>
-            </a:r>
-            <a:endParaRPr lang="en-US" dirty="0"/>
-          </a:p>
-          <a:p>
-            <a:pPr lvl="1"/>
-            <a:endParaRPr lang="en-US" dirty="0"/>
+              <a:t>Classifies news article as real or fake with 88% accuracy</a:t>
+            </a:r>
           </a:p>
         </p:txBody>
       </p:sp>
@@ -13073,13 +12937,13 @@
               </a:ext>
             </a:extLst>
           </a:blip>
-          <a:srcRect l="15234" t="9266" r="11889"/>
+          <a:srcRect l="4301" r="5091" b="12502"/>
           <a:stretch/>
         </p:blipFill>
         <p:spPr>
           <a:xfrm>
-            <a:off x="4641169" y="1435101"/>
-            <a:ext cx="7171721" cy="5022652"/>
+            <a:off x="4500707" y="1606020"/>
+            <a:ext cx="7403870" cy="4021668"/>
           </a:xfrm>
           <a:prstGeom prst="round2DiagRect">
             <a:avLst>
@@ -15519,6 +15383,2769 @@
             <a:extLst>
               <a:ext uri="{91240B29-F687-4f45-9708-019B960494DF}">
                 <a14:hiddenLine xmlns:a14="http://schemas.microsoft.com/office/drawing/2010/main" xmlns:p14="http://schemas.microsoft.com/office/powerpoint/2010/main" xmlns:a16="http://schemas.microsoft.com/office/drawing/2014/main" xmlns="" w="9525">
+                  <a:solidFill>
+                    <a:srgbClr val="000000"/>
+                  </a:solidFill>
+                  <a:round/>
+                  <a:headEnd/>
+                  <a:tailEnd/>
+                </a14:hiddenLine>
+              </a:ext>
+            </a:extLst>
+          </p:spPr>
+        </p:sp>
+      </p:grpSp>
+    </p:spTree>
+    <p:extLst>
+      <p:ext uri="{BB962C8B-B14F-4D97-AF65-F5344CB8AC3E}">
+        <p14:creationId xmlns:p14="http://schemas.microsoft.com/office/powerpoint/2010/main" val="402724451"/>
+      </p:ext>
+    </p:extLst>
+  </p:cSld>
+  <p:clrMapOvr>
+    <a:masterClrMapping/>
+  </p:clrMapOvr>
+</p:sld>
+</file>
+
+<file path=ppt/slides/slide4.xml><?xml version="1.0" encoding="utf-8"?>
+<p:sld xmlns:a="http://schemas.openxmlformats.org/drawingml/2006/main" xmlns:r="http://schemas.openxmlformats.org/officeDocument/2006/relationships" xmlns:p="http://schemas.openxmlformats.org/presentationml/2006/main">
+  <p:cSld>
+    <p:bg>
+      <p:bgPr>
+        <a:blipFill>
+          <a:blip r:embed="rId2">
+            <a:duotone>
+              <a:schemeClr val="bg2">
+                <a:shade val="88000"/>
+                <a:hueMod val="106000"/>
+                <a:satMod val="140000"/>
+                <a:lumMod val="54000"/>
+              </a:schemeClr>
+              <a:schemeClr val="bg2">
+                <a:tint val="98000"/>
+                <a:hueMod val="90000"/>
+                <a:satMod val="150000"/>
+                <a:lumMod val="160000"/>
+              </a:schemeClr>
+            </a:duotone>
+          </a:blip>
+          <a:stretch/>
+        </a:blipFill>
+        <a:effectLst/>
+      </p:bgPr>
+    </p:bg>
+    <p:spTree>
+      <p:nvGrpSpPr>
+        <p:cNvPr id="1" name=""/>
+        <p:cNvGrpSpPr/>
+        <p:nvPr/>
+      </p:nvGrpSpPr>
+      <p:grpSpPr>
+        <a:xfrm>
+          <a:off x="0" y="0"/>
+          <a:ext cx="0" cy="0"/>
+          <a:chOff x="0" y="0"/>
+          <a:chExt cx="0" cy="0"/>
+        </a:xfrm>
+      </p:grpSpPr>
+      <p:sp useBgFill="1">
+        <p:nvSpPr>
+          <p:cNvPr id="9" name="Rectangle 8">
+            <a:extLst>
+              <a:ext uri="{FF2B5EF4-FFF2-40B4-BE49-F238E27FC236}">
+                <a16:creationId xmlns="" xmlns:a16="http://schemas.microsoft.com/office/drawing/2014/main" id="{C2E4E997-8672-4FFD-B8EC-9932A8E4714B}"/>
+              </a:ext>
+              <a:ext uri="{C183D7F6-B498-43B3-948B-1728B52AA6E4}">
+                <adec:decorative xmlns="" xmlns:adec="http://schemas.microsoft.com/office/drawing/2017/decorative" val="1"/>
+              </a:ext>
+            </a:extLst>
+          </p:cNvPr>
+          <p:cNvSpPr>
+            <a:spLocks noGrp="1" noRot="1" noChangeAspect="1" noMove="1" noResize="1" noEditPoints="1" noAdjustHandles="1" noChangeArrowheads="1" noChangeShapeType="1" noTextEdit="1"/>
+          </p:cNvSpPr>
+          <p:nvPr>
+            <p:extLst>
+              <p:ext uri="{386F3935-93C4-4BCD-93E2-E3B085C9AB24}">
+                <p16:designElem xmlns:p16="http://schemas.microsoft.com/office/powerpoint/2015/main" val="1"/>
+              </p:ext>
+            </p:extLst>
+          </p:nvPr>
+        </p:nvSpPr>
+        <p:spPr>
+          <a:xfrm>
+            <a:off x="0" y="0"/>
+            <a:ext cx="12192000" cy="6858000"/>
+          </a:xfrm>
+          <a:prstGeom prst="rect">
+            <a:avLst/>
+          </a:prstGeom>
+          <a:ln>
+            <a:noFill/>
+          </a:ln>
+        </p:spPr>
+        <p:style>
+          <a:lnRef idx="2">
+            <a:schemeClr val="accent1">
+              <a:shade val="50000"/>
+            </a:schemeClr>
+          </a:lnRef>
+          <a:fillRef idx="1003">
+            <a:schemeClr val="dk2"/>
+          </a:fillRef>
+          <a:effectRef idx="0">
+            <a:schemeClr val="accent1"/>
+          </a:effectRef>
+          <a:fontRef idx="minor">
+            <a:schemeClr val="lt1"/>
+          </a:fontRef>
+        </p:style>
+        <p:txBody>
+          <a:bodyPr rtlCol="0" anchor="ctr"/>
+          <a:lstStyle/>
+          <a:p>
+            <a:pPr algn="ctr"/>
+            <a:endParaRPr lang="en-US"/>
+          </a:p>
+        </p:txBody>
+      </p:sp>
+      <p:pic>
+        <p:nvPicPr>
+          <p:cNvPr id="11" name="Picture 2">
+            <a:extLst>
+              <a:ext uri="{FF2B5EF4-FFF2-40B4-BE49-F238E27FC236}">
+                <a16:creationId xmlns="" xmlns:a16="http://schemas.microsoft.com/office/drawing/2014/main" id="{FE6BA9E6-1D9E-4D30-B528-D49FA1342E4E}"/>
+              </a:ext>
+              <a:ext uri="{C183D7F6-B498-43B3-948B-1728B52AA6E4}">
+                <adec:decorative xmlns="" xmlns:adec="http://schemas.microsoft.com/office/drawing/2017/decorative" val="1"/>
+              </a:ext>
+            </a:extLst>
+          </p:cNvPr>
+          <p:cNvPicPr>
+            <a:picLocks noGrp="1" noRot="1" noChangeAspect="1" noMove="1" noResize="1" noEditPoints="1" noAdjustHandles="1" noChangeArrowheads="1" noChangeShapeType="1" noCrop="1"/>
+          </p:cNvPicPr>
+          <p:nvPr>
+            <p:extLst>
+              <p:ext uri="{386F3935-93C4-4BCD-93E2-E3B085C9AB24}">
+                <p16:designElem xmlns:p16="http://schemas.microsoft.com/office/powerpoint/2015/main" val="1"/>
+              </p:ext>
+            </p:extLst>
+          </p:nvPr>
+        </p:nvPicPr>
+        <p:blipFill>
+          <a:blip r:embed="rId3">
+            <a:alphaModFix amt="30000"/>
+            <a:extLst>
+              <a:ext uri="{28A0092B-C50C-407E-A947-70E740481C1C}">
+                <a14:useLocalDpi xmlns:a14="http://schemas.microsoft.com/office/drawing/2010/main" val="0"/>
+              </a:ext>
+            </a:extLst>
+          </a:blip>
+          <a:srcRect/>
+          <a:stretch>
+            <a:fillRect/>
+          </a:stretch>
+        </p:blipFill>
+        <p:spPr bwMode="auto">
+          <a:xfrm>
+            <a:off x="0" y="0"/>
+            <a:ext cx="12192003" cy="6858001"/>
+          </a:xfrm>
+          <a:prstGeom prst="rect">
+            <a:avLst/>
+          </a:prstGeom>
+          <a:noFill/>
+          <a:extLst>
+            <a:ext uri="{909E8E84-426E-40dd-AFC4-6F175D3DCCD1}">
+              <a14:hiddenFill xmlns="" xmlns:a16="http://schemas.microsoft.com/office/drawing/2014/main" xmlns:p14="http://schemas.microsoft.com/office/powerpoint/2010/main" xmlns:a14="http://schemas.microsoft.com/office/drawing/2010/main">
+                <a:solidFill>
+                  <a:srgbClr val="FFFFFF"/>
+                </a:solidFill>
+              </a14:hiddenFill>
+            </a:ext>
+          </a:extLst>
+        </p:spPr>
+      </p:pic>
+      <p:sp>
+        <p:nvSpPr>
+          <p:cNvPr id="2" name="Title 1"/>
+          <p:cNvSpPr>
+            <a:spLocks noGrp="1"/>
+          </p:cNvSpPr>
+          <p:nvPr>
+            <p:ph type="title"/>
+          </p:nvPr>
+        </p:nvSpPr>
+        <p:spPr>
+          <a:xfrm>
+            <a:off x="1141413" y="618518"/>
+            <a:ext cx="4459286" cy="1478570"/>
+          </a:xfrm>
+        </p:spPr>
+        <p:txBody>
+          <a:bodyPr>
+            <a:normAutofit/>
+          </a:bodyPr>
+          <a:lstStyle/>
+          <a:p>
+            <a:r>
+              <a:rPr lang="en-US" sz="3200" dirty="0"/>
+              <a:t>Data collection and storage</a:t>
+            </a:r>
+          </a:p>
+        </p:txBody>
+      </p:sp>
+      <p:sp>
+        <p:nvSpPr>
+          <p:cNvPr id="3" name="Content Placeholder 2"/>
+          <p:cNvSpPr>
+            <a:spLocks noGrp="1"/>
+          </p:cNvSpPr>
+          <p:nvPr>
+            <p:ph idx="1"/>
+          </p:nvPr>
+        </p:nvSpPr>
+        <p:spPr>
+          <a:xfrm>
+            <a:off x="780239" y="2232554"/>
+            <a:ext cx="4055459" cy="3965046"/>
+          </a:xfrm>
+        </p:spPr>
+        <p:txBody>
+          <a:bodyPr>
+            <a:normAutofit/>
+          </a:bodyPr>
+          <a:lstStyle/>
+          <a:p>
+            <a:r>
+              <a:rPr lang="en-US" sz="2000" dirty="0"/>
+              <a:t>NEWS API</a:t>
+            </a:r>
+          </a:p>
+          <a:p>
+            <a:pPr lvl="1"/>
+            <a:r>
+              <a:rPr lang="en-US" dirty="0"/>
+              <a:t>Searched for real and fake news using </a:t>
+            </a:r>
+            <a:r>
+              <a:rPr lang="en-US" dirty="0" err="1" smtClean="0"/>
+              <a:t>preclassified</a:t>
+            </a:r>
+            <a:r>
+              <a:rPr lang="en-US" dirty="0" smtClean="0"/>
+              <a:t> </a:t>
+            </a:r>
+            <a:r>
+              <a:rPr lang="en-US" dirty="0"/>
+              <a:t>sources</a:t>
+            </a:r>
+          </a:p>
+          <a:p>
+            <a:pPr lvl="0"/>
+            <a:r>
+              <a:rPr lang="en-US" sz="2000" dirty="0" err="1"/>
+              <a:t>DiffBot</a:t>
+            </a:r>
+            <a:r>
+              <a:rPr lang="en-US" sz="2000" dirty="0"/>
+              <a:t> API</a:t>
+            </a:r>
+          </a:p>
+          <a:p>
+            <a:pPr lvl="1"/>
+            <a:r>
+              <a:rPr lang="en-US" dirty="0"/>
+              <a:t>Extracted text of article</a:t>
+            </a:r>
+          </a:p>
+          <a:p>
+            <a:pPr lvl="0"/>
+            <a:r>
+              <a:rPr lang="en-US" sz="2000" dirty="0"/>
+              <a:t>MongoDB and AWS</a:t>
+            </a:r>
+          </a:p>
+          <a:p>
+            <a:pPr lvl="1"/>
+            <a:r>
+              <a:rPr lang="en-US" dirty="0"/>
+              <a:t>Stored news </a:t>
+            </a:r>
+            <a:r>
+              <a:rPr lang="en-US" dirty="0" smtClean="0"/>
+              <a:t>metadata</a:t>
+            </a:r>
+            <a:endParaRPr lang="en-US" dirty="0"/>
+          </a:p>
+          <a:p>
+            <a:pPr lvl="1"/>
+            <a:endParaRPr lang="en-US" dirty="0"/>
+          </a:p>
+        </p:txBody>
+      </p:sp>
+      <p:pic>
+        <p:nvPicPr>
+          <p:cNvPr id="4" name="Picture 3"/>
+          <p:cNvPicPr>
+            <a:picLocks noChangeAspect="1"/>
+          </p:cNvPicPr>
+          <p:nvPr/>
+        </p:nvPicPr>
+        <p:blipFill rotWithShape="1">
+          <a:blip r:embed="rId4">
+            <a:extLst>
+              <a:ext uri="{28A0092B-C50C-407E-A947-70E740481C1C}">
+                <a14:useLocalDpi xmlns:a14="http://schemas.microsoft.com/office/drawing/2010/main" val="0"/>
+              </a:ext>
+            </a:extLst>
+          </a:blip>
+          <a:srcRect l="15234" t="9266" r="11889"/>
+          <a:stretch/>
+        </p:blipFill>
+        <p:spPr>
+          <a:xfrm>
+            <a:off x="4641169" y="1435101"/>
+            <a:ext cx="7171721" cy="5022652"/>
+          </a:xfrm>
+          <a:prstGeom prst="round2DiagRect">
+            <a:avLst>
+              <a:gd name="adj1" fmla="val 5608"/>
+              <a:gd name="adj2" fmla="val 0"/>
+            </a:avLst>
+          </a:prstGeom>
+          <a:ln w="19050" cap="sq">
+            <a:solidFill>
+              <a:schemeClr val="tx2">
+                <a:lumMod val="60000"/>
+                <a:lumOff val="40000"/>
+                <a:alpha val="60000"/>
+              </a:schemeClr>
+            </a:solidFill>
+            <a:miter lim="800000"/>
+          </a:ln>
+          <a:effectLst>
+            <a:outerShdw blurRad="88900" dist="38100" dir="5400000" algn="t" rotWithShape="0">
+              <a:prstClr val="black">
+                <a:alpha val="40000"/>
+              </a:prstClr>
+            </a:outerShdw>
+          </a:effectLst>
+        </p:spPr>
+      </p:pic>
+      <p:grpSp>
+        <p:nvGrpSpPr>
+          <p:cNvPr id="13" name="Group 12">
+            <a:extLst>
+              <a:ext uri="{FF2B5EF4-FFF2-40B4-BE49-F238E27FC236}">
+                <a16:creationId xmlns="" xmlns:a16="http://schemas.microsoft.com/office/drawing/2014/main" id="{453E4DEE-E996-40F8-8635-0FF43D7348F9}"/>
+              </a:ext>
+              <a:ext uri="{C183D7F6-B498-43B3-948B-1728B52AA6E4}">
+                <adec:decorative xmlns="" xmlns:adec="http://schemas.microsoft.com/office/drawing/2017/decorative" val="1"/>
+              </a:ext>
+            </a:extLst>
+          </p:cNvPr>
+          <p:cNvGrpSpPr>
+            <a:grpSpLocks noGrp="1" noUngrp="1" noRot="1" noChangeAspect="1" noMove="1" noResize="1"/>
+          </p:cNvGrpSpPr>
+          <p:nvPr>
+            <p:extLst>
+              <p:ext uri="{386F3935-93C4-4BCD-93E2-E3B085C9AB24}">
+                <p16:designElem xmlns:p16="http://schemas.microsoft.com/office/powerpoint/2015/main" val="1"/>
+              </p:ext>
+            </p:extLst>
+          </p:nvPr>
+        </p:nvGrpSpPr>
+        <p:grpSpPr>
+          <a:xfrm>
+            <a:off x="0" y="0"/>
+            <a:ext cx="1220788" cy="6858001"/>
+            <a:chOff x="-14288" y="0"/>
+            <a:chExt cx="1220788" cy="6858001"/>
+          </a:xfrm>
+          <a:gradFill flip="none" rotWithShape="1">
+            <a:gsLst>
+              <a:gs pos="0">
+                <a:schemeClr val="tx2"/>
+              </a:gs>
+              <a:gs pos="100000">
+                <a:schemeClr val="bg2">
+                  <a:lumMod val="60000"/>
+                  <a:lumOff val="40000"/>
+                </a:schemeClr>
+              </a:gs>
+            </a:gsLst>
+            <a:lin ang="5400000" scaled="0"/>
+            <a:tileRect/>
+          </a:gradFill>
+        </p:grpSpPr>
+        <p:sp>
+          <p:nvSpPr>
+            <p:cNvPr id="14" name="Rectangle 5">
+              <a:extLst>
+                <a:ext uri="{FF2B5EF4-FFF2-40B4-BE49-F238E27FC236}">
+                  <a16:creationId xmlns="" xmlns:a16="http://schemas.microsoft.com/office/drawing/2014/main" id="{08BD1D3E-43CE-49EB-A424-0738950C6424}"/>
+                </a:ext>
+                <a:ext uri="{C183D7F6-B498-43B3-948B-1728B52AA6E4}">
+                  <adec:decorative xmlns="" xmlns:adec="http://schemas.microsoft.com/office/drawing/2017/decorative" val="1"/>
+                </a:ext>
+              </a:extLst>
+            </p:cNvPr>
+            <p:cNvSpPr>
+              <a:spLocks noChangeArrowheads="1"/>
+            </p:cNvSpPr>
+            <p:nvPr>
+              <p:extLst>
+                <p:ext uri="{386F3935-93C4-4BCD-93E2-E3B085C9AB24}">
+                  <p16:designElem xmlns:p16="http://schemas.microsoft.com/office/powerpoint/2015/main" val="1"/>
+                </p:ext>
+              </p:extLst>
+            </p:nvPr>
+          </p:nvSpPr>
+          <p:spPr bwMode="auto">
+            <a:xfrm>
+              <a:off x="114300" y="4763"/>
+              <a:ext cx="23813" cy="2181225"/>
+            </a:xfrm>
+            <a:prstGeom prst="rect">
+              <a:avLst/>
+            </a:prstGeom>
+            <a:grpFill/>
+            <a:ln>
+              <a:noFill/>
+            </a:ln>
+            <a:extLst>
+              <a:ext uri="{91240B29-F687-4f45-9708-019B960494DF}">
+                <a14:hiddenLine xmlns="" xmlns:a16="http://schemas.microsoft.com/office/drawing/2014/main" xmlns:p14="http://schemas.microsoft.com/office/powerpoint/2010/main" xmlns:a14="http://schemas.microsoft.com/office/drawing/2010/main" w="9525">
+                  <a:solidFill>
+                    <a:srgbClr val="000000"/>
+                  </a:solidFill>
+                  <a:miter lim="800000"/>
+                  <a:headEnd/>
+                  <a:tailEnd/>
+                </a14:hiddenLine>
+              </a:ext>
+            </a:extLst>
+          </p:spPr>
+        </p:sp>
+        <p:sp>
+          <p:nvSpPr>
+            <p:cNvPr id="15" name="Freeform 6">
+              <a:extLst>
+                <a:ext uri="{FF2B5EF4-FFF2-40B4-BE49-F238E27FC236}">
+                  <a16:creationId xmlns="" xmlns:a16="http://schemas.microsoft.com/office/drawing/2014/main" id="{E9182037-E3FA-489A-95D5-29E4248420D8}"/>
+                </a:ext>
+                <a:ext uri="{C183D7F6-B498-43B3-948B-1728B52AA6E4}">
+                  <adec:decorative xmlns="" xmlns:adec="http://schemas.microsoft.com/office/drawing/2017/decorative" val="1"/>
+                </a:ext>
+              </a:extLst>
+            </p:cNvPr>
+            <p:cNvSpPr>
+              <a:spLocks noEditPoints="1"/>
+            </p:cNvSpPr>
+            <p:nvPr>
+              <p:extLst>
+                <p:ext uri="{386F3935-93C4-4BCD-93E2-E3B085C9AB24}">
+                  <p16:designElem xmlns:p16="http://schemas.microsoft.com/office/powerpoint/2015/main" val="1"/>
+                </p:ext>
+              </p:extLst>
+            </p:nvPr>
+          </p:nvSpPr>
+          <p:spPr bwMode="auto">
+            <a:xfrm>
+              <a:off x="33337" y="2176463"/>
+              <a:ext cx="190500" cy="190500"/>
+            </a:xfrm>
+            <a:custGeom>
+              <a:avLst/>
+              <a:gdLst/>
+              <a:ahLst/>
+              <a:cxnLst/>
+              <a:rect l="0" t="0" r="r" b="b"/>
+              <a:pathLst>
+                <a:path w="40" h="40">
+                  <a:moveTo>
+                    <a:pt x="20" y="40"/>
+                  </a:moveTo>
+                  <a:cubicBezTo>
+                    <a:pt x="9" y="40"/>
+                    <a:pt x="0" y="31"/>
+                    <a:pt x="0" y="20"/>
+                  </a:cubicBezTo>
+                  <a:cubicBezTo>
+                    <a:pt x="0" y="9"/>
+                    <a:pt x="9" y="0"/>
+                    <a:pt x="20" y="0"/>
+                  </a:cubicBezTo>
+                  <a:cubicBezTo>
+                    <a:pt x="31" y="0"/>
+                    <a:pt x="40" y="9"/>
+                    <a:pt x="40" y="20"/>
+                  </a:cubicBezTo>
+                  <a:cubicBezTo>
+                    <a:pt x="40" y="31"/>
+                    <a:pt x="31" y="40"/>
+                    <a:pt x="20" y="40"/>
+                  </a:cubicBezTo>
+                  <a:close/>
+                  <a:moveTo>
+                    <a:pt x="20" y="4"/>
+                  </a:moveTo>
+                  <a:cubicBezTo>
+                    <a:pt x="11" y="4"/>
+                    <a:pt x="4" y="11"/>
+                    <a:pt x="4" y="20"/>
+                  </a:cubicBezTo>
+                  <a:cubicBezTo>
+                    <a:pt x="4" y="29"/>
+                    <a:pt x="11" y="36"/>
+                    <a:pt x="20" y="36"/>
+                  </a:cubicBezTo>
+                  <a:cubicBezTo>
+                    <a:pt x="28" y="36"/>
+                    <a:pt x="36" y="29"/>
+                    <a:pt x="36" y="20"/>
+                  </a:cubicBezTo>
+                  <a:cubicBezTo>
+                    <a:pt x="36" y="11"/>
+                    <a:pt x="28" y="4"/>
+                    <a:pt x="20" y="4"/>
+                  </a:cubicBezTo>
+                  <a:close/>
+                </a:path>
+              </a:pathLst>
+            </a:custGeom>
+            <a:grpFill/>
+            <a:ln>
+              <a:noFill/>
+            </a:ln>
+            <a:extLst>
+              <a:ext uri="{91240B29-F687-4f45-9708-019B960494DF}">
+                <a14:hiddenLine xmlns="" xmlns:a16="http://schemas.microsoft.com/office/drawing/2014/main" xmlns:p14="http://schemas.microsoft.com/office/powerpoint/2010/main" xmlns:a14="http://schemas.microsoft.com/office/drawing/2010/main" w="9525">
+                  <a:solidFill>
+                    <a:srgbClr val="000000"/>
+                  </a:solidFill>
+                  <a:round/>
+                  <a:headEnd/>
+                  <a:tailEnd/>
+                </a14:hiddenLine>
+              </a:ext>
+            </a:extLst>
+          </p:spPr>
+        </p:sp>
+        <p:sp>
+          <p:nvSpPr>
+            <p:cNvPr id="16" name="Freeform 7">
+              <a:extLst>
+                <a:ext uri="{FF2B5EF4-FFF2-40B4-BE49-F238E27FC236}">
+                  <a16:creationId xmlns="" xmlns:a16="http://schemas.microsoft.com/office/drawing/2014/main" id="{E8864E76-AD7F-4BEE-B3F6-A78FA42AEFAC}"/>
+                </a:ext>
+                <a:ext uri="{C183D7F6-B498-43B3-948B-1728B52AA6E4}">
+                  <adec:decorative xmlns="" xmlns:adec="http://schemas.microsoft.com/office/drawing/2017/decorative" val="1"/>
+                </a:ext>
+              </a:extLst>
+            </p:cNvPr>
+            <p:cNvSpPr>
+              <a:spLocks noEditPoints="1"/>
+            </p:cNvSpPr>
+            <p:nvPr>
+              <p:extLst>
+                <p:ext uri="{386F3935-93C4-4BCD-93E2-E3B085C9AB24}">
+                  <p16:designElem xmlns:p16="http://schemas.microsoft.com/office/powerpoint/2015/main" val="1"/>
+                </p:ext>
+              </p:extLst>
+            </p:nvPr>
+          </p:nvSpPr>
+          <p:spPr bwMode="auto">
+            <a:xfrm>
+              <a:off x="28575" y="4021138"/>
+              <a:ext cx="190500" cy="188913"/>
+            </a:xfrm>
+            <a:custGeom>
+              <a:avLst/>
+              <a:gdLst/>
+              <a:ahLst/>
+              <a:cxnLst/>
+              <a:rect l="0" t="0" r="r" b="b"/>
+              <a:pathLst>
+                <a:path w="40" h="40">
+                  <a:moveTo>
+                    <a:pt x="20" y="40"/>
+                  </a:moveTo>
+                  <a:cubicBezTo>
+                    <a:pt x="9" y="40"/>
+                    <a:pt x="0" y="31"/>
+                    <a:pt x="0" y="20"/>
+                  </a:cubicBezTo>
+                  <a:cubicBezTo>
+                    <a:pt x="0" y="9"/>
+                    <a:pt x="9" y="0"/>
+                    <a:pt x="20" y="0"/>
+                  </a:cubicBezTo>
+                  <a:cubicBezTo>
+                    <a:pt x="31" y="0"/>
+                    <a:pt x="40" y="9"/>
+                    <a:pt x="40" y="20"/>
+                  </a:cubicBezTo>
+                  <a:cubicBezTo>
+                    <a:pt x="40" y="31"/>
+                    <a:pt x="31" y="40"/>
+                    <a:pt x="20" y="40"/>
+                  </a:cubicBezTo>
+                  <a:close/>
+                  <a:moveTo>
+                    <a:pt x="20" y="4"/>
+                  </a:moveTo>
+                  <a:cubicBezTo>
+                    <a:pt x="12" y="4"/>
+                    <a:pt x="4" y="11"/>
+                    <a:pt x="4" y="20"/>
+                  </a:cubicBezTo>
+                  <a:cubicBezTo>
+                    <a:pt x="4" y="29"/>
+                    <a:pt x="12" y="36"/>
+                    <a:pt x="20" y="36"/>
+                  </a:cubicBezTo>
+                  <a:cubicBezTo>
+                    <a:pt x="29" y="36"/>
+                    <a:pt x="36" y="29"/>
+                    <a:pt x="36" y="20"/>
+                  </a:cubicBezTo>
+                  <a:cubicBezTo>
+                    <a:pt x="36" y="11"/>
+                    <a:pt x="29" y="4"/>
+                    <a:pt x="20" y="4"/>
+                  </a:cubicBezTo>
+                  <a:close/>
+                </a:path>
+              </a:pathLst>
+            </a:custGeom>
+            <a:grpFill/>
+            <a:ln>
+              <a:noFill/>
+            </a:ln>
+            <a:extLst>
+              <a:ext uri="{91240B29-F687-4f45-9708-019B960494DF}">
+                <a14:hiddenLine xmlns="" xmlns:a16="http://schemas.microsoft.com/office/drawing/2014/main" xmlns:p14="http://schemas.microsoft.com/office/powerpoint/2010/main" xmlns:a14="http://schemas.microsoft.com/office/drawing/2010/main" w="9525">
+                  <a:solidFill>
+                    <a:srgbClr val="000000"/>
+                  </a:solidFill>
+                  <a:round/>
+                  <a:headEnd/>
+                  <a:tailEnd/>
+                </a14:hiddenLine>
+              </a:ext>
+            </a:extLst>
+          </p:spPr>
+        </p:sp>
+        <p:sp>
+          <p:nvSpPr>
+            <p:cNvPr id="17" name="Freeform 8">
+              <a:extLst>
+                <a:ext uri="{FF2B5EF4-FFF2-40B4-BE49-F238E27FC236}">
+                  <a16:creationId xmlns="" xmlns:a16="http://schemas.microsoft.com/office/drawing/2014/main" id="{8AD071B3-046D-4479-91FE-01E9AD7C8AAB}"/>
+                </a:ext>
+                <a:ext uri="{C183D7F6-B498-43B3-948B-1728B52AA6E4}">
+                  <adec:decorative xmlns="" xmlns:adec="http://schemas.microsoft.com/office/drawing/2017/decorative" val="1"/>
+                </a:ext>
+              </a:extLst>
+            </p:cNvPr>
+            <p:cNvSpPr/>
+            <p:nvPr>
+              <p:extLst>
+                <p:ext uri="{386F3935-93C4-4BCD-93E2-E3B085C9AB24}">
+                  <p16:designElem xmlns:p16="http://schemas.microsoft.com/office/powerpoint/2015/main" val="1"/>
+                </p:ext>
+              </p:extLst>
+            </p:nvPr>
+          </p:nvSpPr>
+          <p:spPr bwMode="auto">
+            <a:xfrm>
+              <a:off x="200025" y="4763"/>
+              <a:ext cx="369888" cy="1811338"/>
+            </a:xfrm>
+            <a:custGeom>
+              <a:avLst/>
+              <a:gdLst/>
+              <a:ahLst/>
+              <a:cxnLst/>
+              <a:rect l="0" t="0" r="r" b="b"/>
+              <a:pathLst>
+                <a:path w="233" h="1141">
+                  <a:moveTo>
+                    <a:pt x="218" y="1141"/>
+                  </a:moveTo>
+                  <a:lnTo>
+                    <a:pt x="0" y="626"/>
+                  </a:lnTo>
+                  <a:lnTo>
+                    <a:pt x="0" y="0"/>
+                  </a:lnTo>
+                  <a:lnTo>
+                    <a:pt x="15" y="0"/>
+                  </a:lnTo>
+                  <a:lnTo>
+                    <a:pt x="15" y="623"/>
+                  </a:lnTo>
+                  <a:lnTo>
+                    <a:pt x="233" y="1135"/>
+                  </a:lnTo>
+                  <a:lnTo>
+                    <a:pt x="218" y="1141"/>
+                  </a:lnTo>
+                  <a:close/>
+                </a:path>
+              </a:pathLst>
+            </a:custGeom>
+            <a:grpFill/>
+            <a:ln>
+              <a:noFill/>
+            </a:ln>
+            <a:extLst>
+              <a:ext uri="{91240B29-F687-4f45-9708-019B960494DF}">
+                <a14:hiddenLine xmlns="" xmlns:a16="http://schemas.microsoft.com/office/drawing/2014/main" xmlns:p14="http://schemas.microsoft.com/office/powerpoint/2010/main" xmlns:a14="http://schemas.microsoft.com/office/drawing/2010/main" w="9525">
+                  <a:solidFill>
+                    <a:srgbClr val="000000"/>
+                  </a:solidFill>
+                  <a:round/>
+                  <a:headEnd/>
+                  <a:tailEnd/>
+                </a14:hiddenLine>
+              </a:ext>
+            </a:extLst>
+          </p:spPr>
+        </p:sp>
+        <p:sp>
+          <p:nvSpPr>
+            <p:cNvPr id="18" name="Freeform 9">
+              <a:extLst>
+                <a:ext uri="{FF2B5EF4-FFF2-40B4-BE49-F238E27FC236}">
+                  <a16:creationId xmlns="" xmlns:a16="http://schemas.microsoft.com/office/drawing/2014/main" id="{91D776F5-E902-4A4D-A75D-A46E063C9F38}"/>
+                </a:ext>
+                <a:ext uri="{C183D7F6-B498-43B3-948B-1728B52AA6E4}">
+                  <adec:decorative xmlns="" xmlns:adec="http://schemas.microsoft.com/office/drawing/2017/decorative" val="1"/>
+                </a:ext>
+              </a:extLst>
+            </p:cNvPr>
+            <p:cNvSpPr>
+              <a:spLocks noEditPoints="1"/>
+            </p:cNvSpPr>
+            <p:nvPr>
+              <p:extLst>
+                <p:ext uri="{386F3935-93C4-4BCD-93E2-E3B085C9AB24}">
+                  <p16:designElem xmlns:p16="http://schemas.microsoft.com/office/powerpoint/2015/main" val="1"/>
+                </p:ext>
+              </p:extLst>
+            </p:nvPr>
+          </p:nvSpPr>
+          <p:spPr bwMode="auto">
+            <a:xfrm>
+              <a:off x="503237" y="1801813"/>
+              <a:ext cx="190500" cy="188913"/>
+            </a:xfrm>
+            <a:custGeom>
+              <a:avLst/>
+              <a:gdLst/>
+              <a:ahLst/>
+              <a:cxnLst/>
+              <a:rect l="0" t="0" r="r" b="b"/>
+              <a:pathLst>
+                <a:path w="40" h="40">
+                  <a:moveTo>
+                    <a:pt x="20" y="40"/>
+                  </a:moveTo>
+                  <a:cubicBezTo>
+                    <a:pt x="9" y="40"/>
+                    <a:pt x="0" y="31"/>
+                    <a:pt x="0" y="20"/>
+                  </a:cubicBezTo>
+                  <a:cubicBezTo>
+                    <a:pt x="0" y="9"/>
+                    <a:pt x="9" y="0"/>
+                    <a:pt x="20" y="0"/>
+                  </a:cubicBezTo>
+                  <a:cubicBezTo>
+                    <a:pt x="33" y="0"/>
+                    <a:pt x="40" y="6"/>
+                    <a:pt x="40" y="20"/>
+                  </a:cubicBezTo>
+                  <a:cubicBezTo>
+                    <a:pt x="40" y="31"/>
+                    <a:pt x="31" y="40"/>
+                    <a:pt x="20" y="40"/>
+                  </a:cubicBezTo>
+                  <a:close/>
+                  <a:moveTo>
+                    <a:pt x="20" y="4"/>
+                  </a:moveTo>
+                  <a:cubicBezTo>
+                    <a:pt x="11" y="4"/>
+                    <a:pt x="4" y="11"/>
+                    <a:pt x="4" y="20"/>
+                  </a:cubicBezTo>
+                  <a:cubicBezTo>
+                    <a:pt x="4" y="29"/>
+                    <a:pt x="11" y="36"/>
+                    <a:pt x="20" y="36"/>
+                  </a:cubicBezTo>
+                  <a:cubicBezTo>
+                    <a:pt x="28" y="36"/>
+                    <a:pt x="36" y="29"/>
+                    <a:pt x="36" y="20"/>
+                  </a:cubicBezTo>
+                  <a:cubicBezTo>
+                    <a:pt x="36" y="9"/>
+                    <a:pt x="31" y="4"/>
+                    <a:pt x="20" y="4"/>
+                  </a:cubicBezTo>
+                  <a:close/>
+                </a:path>
+              </a:pathLst>
+            </a:custGeom>
+            <a:grpFill/>
+            <a:ln>
+              <a:noFill/>
+            </a:ln>
+            <a:extLst>
+              <a:ext uri="{91240B29-F687-4f45-9708-019B960494DF}">
+                <a14:hiddenLine xmlns="" xmlns:a16="http://schemas.microsoft.com/office/drawing/2014/main" xmlns:p14="http://schemas.microsoft.com/office/powerpoint/2010/main" xmlns:a14="http://schemas.microsoft.com/office/drawing/2010/main" w="9525">
+                  <a:solidFill>
+                    <a:srgbClr val="000000"/>
+                  </a:solidFill>
+                  <a:round/>
+                  <a:headEnd/>
+                  <a:tailEnd/>
+                </a14:hiddenLine>
+              </a:ext>
+            </a:extLst>
+          </p:spPr>
+        </p:sp>
+        <p:sp>
+          <p:nvSpPr>
+            <p:cNvPr id="19" name="Freeform 10">
+              <a:extLst>
+                <a:ext uri="{FF2B5EF4-FFF2-40B4-BE49-F238E27FC236}">
+                  <a16:creationId xmlns="" xmlns:a16="http://schemas.microsoft.com/office/drawing/2014/main" id="{EBED8F24-A998-4952-AB68-E2074F0746FE}"/>
+                </a:ext>
+                <a:ext uri="{C183D7F6-B498-43B3-948B-1728B52AA6E4}">
+                  <adec:decorative xmlns="" xmlns:adec="http://schemas.microsoft.com/office/drawing/2017/decorative" val="1"/>
+                </a:ext>
+              </a:extLst>
+            </p:cNvPr>
+            <p:cNvSpPr/>
+            <p:nvPr>
+              <p:extLst>
+                <p:ext uri="{386F3935-93C4-4BCD-93E2-E3B085C9AB24}">
+                  <p16:designElem xmlns:p16="http://schemas.microsoft.com/office/powerpoint/2015/main" val="1"/>
+                </p:ext>
+              </p:extLst>
+            </p:nvPr>
+          </p:nvSpPr>
+          <p:spPr bwMode="auto">
+            <a:xfrm>
+              <a:off x="285750" y="4763"/>
+              <a:ext cx="369888" cy="1430338"/>
+            </a:xfrm>
+            <a:custGeom>
+              <a:avLst/>
+              <a:gdLst/>
+              <a:ahLst/>
+              <a:cxnLst/>
+              <a:rect l="0" t="0" r="r" b="b"/>
+              <a:pathLst>
+                <a:path w="233" h="901">
+                  <a:moveTo>
+                    <a:pt x="221" y="901"/>
+                  </a:moveTo>
+                  <a:lnTo>
+                    <a:pt x="0" y="383"/>
+                  </a:lnTo>
+                  <a:lnTo>
+                    <a:pt x="0" y="0"/>
+                  </a:lnTo>
+                  <a:lnTo>
+                    <a:pt x="18" y="0"/>
+                  </a:lnTo>
+                  <a:lnTo>
+                    <a:pt x="18" y="380"/>
+                  </a:lnTo>
+                  <a:lnTo>
+                    <a:pt x="233" y="895"/>
+                  </a:lnTo>
+                  <a:lnTo>
+                    <a:pt x="221" y="901"/>
+                  </a:lnTo>
+                  <a:close/>
+                </a:path>
+              </a:pathLst>
+            </a:custGeom>
+            <a:grpFill/>
+            <a:ln>
+              <a:noFill/>
+            </a:ln>
+            <a:extLst>
+              <a:ext uri="{91240B29-F687-4f45-9708-019B960494DF}">
+                <a14:hiddenLine xmlns="" xmlns:a16="http://schemas.microsoft.com/office/drawing/2014/main" xmlns:p14="http://schemas.microsoft.com/office/powerpoint/2010/main" xmlns:a14="http://schemas.microsoft.com/office/drawing/2010/main" w="9525">
+                  <a:solidFill>
+                    <a:srgbClr val="000000"/>
+                  </a:solidFill>
+                  <a:round/>
+                  <a:headEnd/>
+                  <a:tailEnd/>
+                </a14:hiddenLine>
+              </a:ext>
+            </a:extLst>
+          </p:spPr>
+        </p:sp>
+        <p:sp>
+          <p:nvSpPr>
+            <p:cNvPr id="20" name="Freeform 11">
+              <a:extLst>
+                <a:ext uri="{FF2B5EF4-FFF2-40B4-BE49-F238E27FC236}">
+                  <a16:creationId xmlns="" xmlns:a16="http://schemas.microsoft.com/office/drawing/2014/main" id="{74D7A646-8CDC-49B3-9C44-3EF38DB4264C}"/>
+                </a:ext>
+                <a:ext uri="{C183D7F6-B498-43B3-948B-1728B52AA6E4}">
+                  <adec:decorative xmlns="" xmlns:adec="http://schemas.microsoft.com/office/drawing/2017/decorative" val="1"/>
+                </a:ext>
+              </a:extLst>
+            </p:cNvPr>
+            <p:cNvSpPr/>
+            <p:nvPr>
+              <p:extLst>
+                <p:ext uri="{386F3935-93C4-4BCD-93E2-E3B085C9AB24}">
+                  <p16:designElem xmlns:p16="http://schemas.microsoft.com/office/powerpoint/2015/main" val="1"/>
+                </p:ext>
+              </p:extLst>
+            </p:nvPr>
+          </p:nvSpPr>
+          <p:spPr bwMode="auto">
+            <a:xfrm>
+              <a:off x="546100" y="0"/>
+              <a:ext cx="152400" cy="912813"/>
+            </a:xfrm>
+            <a:custGeom>
+              <a:avLst/>
+              <a:gdLst/>
+              <a:ahLst/>
+              <a:cxnLst/>
+              <a:rect l="0" t="0" r="r" b="b"/>
+              <a:pathLst>
+                <a:path w="96" h="575">
+                  <a:moveTo>
+                    <a:pt x="96" y="575"/>
+                  </a:moveTo>
+                  <a:lnTo>
+                    <a:pt x="78" y="575"/>
+                  </a:lnTo>
+                  <a:lnTo>
+                    <a:pt x="78" y="192"/>
+                  </a:lnTo>
+                  <a:lnTo>
+                    <a:pt x="0" y="6"/>
+                  </a:lnTo>
+                  <a:lnTo>
+                    <a:pt x="15" y="0"/>
+                  </a:lnTo>
+                  <a:lnTo>
+                    <a:pt x="96" y="189"/>
+                  </a:lnTo>
+                  <a:lnTo>
+                    <a:pt x="96" y="575"/>
+                  </a:lnTo>
+                  <a:close/>
+                </a:path>
+              </a:pathLst>
+            </a:custGeom>
+            <a:grpFill/>
+            <a:ln>
+              <a:noFill/>
+            </a:ln>
+            <a:extLst>
+              <a:ext uri="{91240B29-F687-4f45-9708-019B960494DF}">
+                <a14:hiddenLine xmlns="" xmlns:a16="http://schemas.microsoft.com/office/drawing/2014/main" xmlns:p14="http://schemas.microsoft.com/office/powerpoint/2010/main" xmlns:a14="http://schemas.microsoft.com/office/drawing/2010/main" w="9525">
+                  <a:solidFill>
+                    <a:srgbClr val="000000"/>
+                  </a:solidFill>
+                  <a:round/>
+                  <a:headEnd/>
+                  <a:tailEnd/>
+                </a14:hiddenLine>
+              </a:ext>
+            </a:extLst>
+          </p:spPr>
+        </p:sp>
+        <p:sp>
+          <p:nvSpPr>
+            <p:cNvPr id="21" name="Freeform 12">
+              <a:extLst>
+                <a:ext uri="{FF2B5EF4-FFF2-40B4-BE49-F238E27FC236}">
+                  <a16:creationId xmlns="" xmlns:a16="http://schemas.microsoft.com/office/drawing/2014/main" id="{D4E99D14-E4F4-419B-9AAF-8D1CEAB28A2D}"/>
+                </a:ext>
+                <a:ext uri="{C183D7F6-B498-43B3-948B-1728B52AA6E4}">
+                  <adec:decorative xmlns="" xmlns:adec="http://schemas.microsoft.com/office/drawing/2017/decorative" val="1"/>
+                </a:ext>
+              </a:extLst>
+            </p:cNvPr>
+            <p:cNvSpPr>
+              <a:spLocks noEditPoints="1"/>
+            </p:cNvSpPr>
+            <p:nvPr>
+              <p:extLst>
+                <p:ext uri="{386F3935-93C4-4BCD-93E2-E3B085C9AB24}">
+                  <p16:designElem xmlns:p16="http://schemas.microsoft.com/office/powerpoint/2015/main" val="1"/>
+                </p:ext>
+              </p:extLst>
+            </p:nvPr>
+          </p:nvSpPr>
+          <p:spPr bwMode="auto">
+            <a:xfrm>
+              <a:off x="588962" y="1420813"/>
+              <a:ext cx="190500" cy="190500"/>
+            </a:xfrm>
+            <a:custGeom>
+              <a:avLst/>
+              <a:gdLst/>
+              <a:ahLst/>
+              <a:cxnLst/>
+              <a:rect l="0" t="0" r="r" b="b"/>
+              <a:pathLst>
+                <a:path w="40" h="40">
+                  <a:moveTo>
+                    <a:pt x="20" y="40"/>
+                  </a:moveTo>
+                  <a:cubicBezTo>
+                    <a:pt x="9" y="40"/>
+                    <a:pt x="0" y="31"/>
+                    <a:pt x="0" y="20"/>
+                  </a:cubicBezTo>
+                  <a:cubicBezTo>
+                    <a:pt x="0" y="9"/>
+                    <a:pt x="9" y="0"/>
+                    <a:pt x="20" y="0"/>
+                  </a:cubicBezTo>
+                  <a:cubicBezTo>
+                    <a:pt x="33" y="0"/>
+                    <a:pt x="40" y="7"/>
+                    <a:pt x="40" y="20"/>
+                  </a:cubicBezTo>
+                  <a:cubicBezTo>
+                    <a:pt x="40" y="31"/>
+                    <a:pt x="31" y="40"/>
+                    <a:pt x="20" y="40"/>
+                  </a:cubicBezTo>
+                  <a:close/>
+                  <a:moveTo>
+                    <a:pt x="20" y="4"/>
+                  </a:moveTo>
+                  <a:cubicBezTo>
+                    <a:pt x="11" y="4"/>
+                    <a:pt x="4" y="11"/>
+                    <a:pt x="4" y="20"/>
+                  </a:cubicBezTo>
+                  <a:cubicBezTo>
+                    <a:pt x="4" y="29"/>
+                    <a:pt x="11" y="36"/>
+                    <a:pt x="20" y="36"/>
+                  </a:cubicBezTo>
+                  <a:cubicBezTo>
+                    <a:pt x="29" y="36"/>
+                    <a:pt x="36" y="29"/>
+                    <a:pt x="36" y="20"/>
+                  </a:cubicBezTo>
+                  <a:cubicBezTo>
+                    <a:pt x="36" y="9"/>
+                    <a:pt x="31" y="4"/>
+                    <a:pt x="20" y="4"/>
+                  </a:cubicBezTo>
+                  <a:close/>
+                </a:path>
+              </a:pathLst>
+            </a:custGeom>
+            <a:grpFill/>
+            <a:ln>
+              <a:noFill/>
+            </a:ln>
+            <a:extLst>
+              <a:ext uri="{91240B29-F687-4f45-9708-019B960494DF}">
+                <a14:hiddenLine xmlns="" xmlns:a16="http://schemas.microsoft.com/office/drawing/2014/main" xmlns:p14="http://schemas.microsoft.com/office/powerpoint/2010/main" xmlns:a14="http://schemas.microsoft.com/office/drawing/2010/main" w="9525">
+                  <a:solidFill>
+                    <a:srgbClr val="000000"/>
+                  </a:solidFill>
+                  <a:round/>
+                  <a:headEnd/>
+                  <a:tailEnd/>
+                </a14:hiddenLine>
+              </a:ext>
+            </a:extLst>
+          </p:spPr>
+        </p:sp>
+        <p:sp>
+          <p:nvSpPr>
+            <p:cNvPr id="22" name="Freeform 13">
+              <a:extLst>
+                <a:ext uri="{FF2B5EF4-FFF2-40B4-BE49-F238E27FC236}">
+                  <a16:creationId xmlns="" xmlns:a16="http://schemas.microsoft.com/office/drawing/2014/main" id="{377E106C-5445-4A52-9F7E-DA1738744291}"/>
+                </a:ext>
+                <a:ext uri="{C183D7F6-B498-43B3-948B-1728B52AA6E4}">
+                  <adec:decorative xmlns="" xmlns:adec="http://schemas.microsoft.com/office/drawing/2017/decorative" val="1"/>
+                </a:ext>
+              </a:extLst>
+            </p:cNvPr>
+            <p:cNvSpPr>
+              <a:spLocks noEditPoints="1"/>
+            </p:cNvSpPr>
+            <p:nvPr>
+              <p:extLst>
+                <p:ext uri="{386F3935-93C4-4BCD-93E2-E3B085C9AB24}">
+                  <p16:designElem xmlns:p16="http://schemas.microsoft.com/office/powerpoint/2015/main" val="1"/>
+                </p:ext>
+              </p:extLst>
+            </p:nvPr>
+          </p:nvSpPr>
+          <p:spPr bwMode="auto">
+            <a:xfrm>
+              <a:off x="588962" y="903288"/>
+              <a:ext cx="190500" cy="190500"/>
+            </a:xfrm>
+            <a:custGeom>
+              <a:avLst/>
+              <a:gdLst/>
+              <a:ahLst/>
+              <a:cxnLst/>
+              <a:rect l="0" t="0" r="r" b="b"/>
+              <a:pathLst>
+                <a:path w="40" h="40">
+                  <a:moveTo>
+                    <a:pt x="20" y="40"/>
+                  </a:moveTo>
+                  <a:cubicBezTo>
+                    <a:pt x="9" y="40"/>
+                    <a:pt x="0" y="31"/>
+                    <a:pt x="0" y="20"/>
+                  </a:cubicBezTo>
+                  <a:cubicBezTo>
+                    <a:pt x="0" y="9"/>
+                    <a:pt x="9" y="0"/>
+                    <a:pt x="20" y="0"/>
+                  </a:cubicBezTo>
+                  <a:cubicBezTo>
+                    <a:pt x="31" y="0"/>
+                    <a:pt x="40" y="9"/>
+                    <a:pt x="40" y="20"/>
+                  </a:cubicBezTo>
+                  <a:cubicBezTo>
+                    <a:pt x="40" y="31"/>
+                    <a:pt x="31" y="40"/>
+                    <a:pt x="20" y="40"/>
+                  </a:cubicBezTo>
+                  <a:close/>
+                  <a:moveTo>
+                    <a:pt x="20" y="4"/>
+                  </a:moveTo>
+                  <a:cubicBezTo>
+                    <a:pt x="11" y="4"/>
+                    <a:pt x="4" y="11"/>
+                    <a:pt x="4" y="20"/>
+                  </a:cubicBezTo>
+                  <a:cubicBezTo>
+                    <a:pt x="4" y="29"/>
+                    <a:pt x="11" y="36"/>
+                    <a:pt x="20" y="36"/>
+                  </a:cubicBezTo>
+                  <a:cubicBezTo>
+                    <a:pt x="29" y="36"/>
+                    <a:pt x="36" y="29"/>
+                    <a:pt x="36" y="20"/>
+                  </a:cubicBezTo>
+                  <a:cubicBezTo>
+                    <a:pt x="36" y="11"/>
+                    <a:pt x="29" y="4"/>
+                    <a:pt x="20" y="4"/>
+                  </a:cubicBezTo>
+                  <a:close/>
+                </a:path>
+              </a:pathLst>
+            </a:custGeom>
+            <a:grpFill/>
+            <a:ln>
+              <a:noFill/>
+            </a:ln>
+            <a:extLst>
+              <a:ext uri="{91240B29-F687-4f45-9708-019B960494DF}">
+                <a14:hiddenLine xmlns="" xmlns:a16="http://schemas.microsoft.com/office/drawing/2014/main" xmlns:p14="http://schemas.microsoft.com/office/powerpoint/2010/main" xmlns:a14="http://schemas.microsoft.com/office/drawing/2010/main" w="9525">
+                  <a:solidFill>
+                    <a:srgbClr val="000000"/>
+                  </a:solidFill>
+                  <a:round/>
+                  <a:headEnd/>
+                  <a:tailEnd/>
+                </a14:hiddenLine>
+              </a:ext>
+            </a:extLst>
+          </p:spPr>
+        </p:sp>
+        <p:sp>
+          <p:nvSpPr>
+            <p:cNvPr id="23" name="Freeform 14">
+              <a:extLst>
+                <a:ext uri="{FF2B5EF4-FFF2-40B4-BE49-F238E27FC236}">
+                  <a16:creationId xmlns="" xmlns:a16="http://schemas.microsoft.com/office/drawing/2014/main" id="{752BFE96-D378-4BAE-A64B-F851A34C4770}"/>
+                </a:ext>
+                <a:ext uri="{C183D7F6-B498-43B3-948B-1728B52AA6E4}">
+                  <adec:decorative xmlns="" xmlns:adec="http://schemas.microsoft.com/office/drawing/2017/decorative" val="1"/>
+                </a:ext>
+              </a:extLst>
+            </p:cNvPr>
+            <p:cNvSpPr/>
+            <p:nvPr>
+              <p:extLst>
+                <p:ext uri="{386F3935-93C4-4BCD-93E2-E3B085C9AB24}">
+                  <p16:designElem xmlns:p16="http://schemas.microsoft.com/office/powerpoint/2015/main" val="1"/>
+                </p:ext>
+              </p:extLst>
+            </p:nvPr>
+          </p:nvSpPr>
+          <p:spPr bwMode="auto">
+            <a:xfrm>
+              <a:off x="641350" y="0"/>
+              <a:ext cx="422275" cy="527050"/>
+            </a:xfrm>
+            <a:custGeom>
+              <a:avLst/>
+              <a:gdLst/>
+              <a:ahLst/>
+              <a:cxnLst/>
+              <a:rect l="0" t="0" r="r" b="b"/>
+              <a:pathLst>
+                <a:path w="266" h="332">
+                  <a:moveTo>
+                    <a:pt x="257" y="332"/>
+                  </a:moveTo>
+                  <a:lnTo>
+                    <a:pt x="48" y="123"/>
+                  </a:lnTo>
+                  <a:lnTo>
+                    <a:pt x="0" y="6"/>
+                  </a:lnTo>
+                  <a:lnTo>
+                    <a:pt x="15" y="0"/>
+                  </a:lnTo>
+                  <a:lnTo>
+                    <a:pt x="63" y="114"/>
+                  </a:lnTo>
+                  <a:lnTo>
+                    <a:pt x="266" y="320"/>
+                  </a:lnTo>
+                  <a:lnTo>
+                    <a:pt x="257" y="332"/>
+                  </a:lnTo>
+                  <a:close/>
+                </a:path>
+              </a:pathLst>
+            </a:custGeom>
+            <a:grpFill/>
+            <a:ln>
+              <a:noFill/>
+            </a:ln>
+            <a:extLst>
+              <a:ext uri="{91240B29-F687-4f45-9708-019B960494DF}">
+                <a14:hiddenLine xmlns="" xmlns:a16="http://schemas.microsoft.com/office/drawing/2014/main" xmlns:p14="http://schemas.microsoft.com/office/powerpoint/2010/main" xmlns:a14="http://schemas.microsoft.com/office/drawing/2010/main" w="9525">
+                  <a:solidFill>
+                    <a:srgbClr val="000000"/>
+                  </a:solidFill>
+                  <a:round/>
+                  <a:headEnd/>
+                  <a:tailEnd/>
+                </a14:hiddenLine>
+              </a:ext>
+            </a:extLst>
+          </p:spPr>
+        </p:sp>
+        <p:sp>
+          <p:nvSpPr>
+            <p:cNvPr id="24" name="Freeform 15">
+              <a:extLst>
+                <a:ext uri="{FF2B5EF4-FFF2-40B4-BE49-F238E27FC236}">
+                  <a16:creationId xmlns="" xmlns:a16="http://schemas.microsoft.com/office/drawing/2014/main" id="{B88FFB19-5A5E-4078-B467-9D4ABD21BD9A}"/>
+                </a:ext>
+                <a:ext uri="{C183D7F6-B498-43B3-948B-1728B52AA6E4}">
+                  <adec:decorative xmlns="" xmlns:adec="http://schemas.microsoft.com/office/drawing/2017/decorative" val="1"/>
+                </a:ext>
+              </a:extLst>
+            </p:cNvPr>
+            <p:cNvSpPr>
+              <a:spLocks noEditPoints="1"/>
+            </p:cNvSpPr>
+            <p:nvPr>
+              <p:extLst>
+                <p:ext uri="{386F3935-93C4-4BCD-93E2-E3B085C9AB24}">
+                  <p16:designElem xmlns:p16="http://schemas.microsoft.com/office/powerpoint/2015/main" val="1"/>
+                </p:ext>
+              </p:extLst>
+            </p:nvPr>
+          </p:nvSpPr>
+          <p:spPr bwMode="auto">
+            <a:xfrm>
+              <a:off x="1020762" y="488950"/>
+              <a:ext cx="161925" cy="147638"/>
+            </a:xfrm>
+            <a:custGeom>
+              <a:avLst/>
+              <a:gdLst/>
+              <a:ahLst/>
+              <a:cxnLst/>
+              <a:rect l="0" t="0" r="r" b="b"/>
+              <a:pathLst>
+                <a:path w="34" h="31">
+                  <a:moveTo>
+                    <a:pt x="17" y="31"/>
+                  </a:moveTo>
+                  <a:cubicBezTo>
+                    <a:pt x="13" y="31"/>
+                    <a:pt x="9" y="30"/>
+                    <a:pt x="6" y="27"/>
+                  </a:cubicBezTo>
+                  <a:cubicBezTo>
+                    <a:pt x="0" y="20"/>
+                    <a:pt x="0" y="10"/>
+                    <a:pt x="6" y="4"/>
+                  </a:cubicBezTo>
+                  <a:cubicBezTo>
+                    <a:pt x="9" y="1"/>
+                    <a:pt x="13" y="0"/>
+                    <a:pt x="17" y="0"/>
+                  </a:cubicBezTo>
+                  <a:cubicBezTo>
+                    <a:pt x="21" y="0"/>
+                    <a:pt x="25" y="1"/>
+                    <a:pt x="28" y="4"/>
+                  </a:cubicBezTo>
+                  <a:cubicBezTo>
+                    <a:pt x="34" y="10"/>
+                    <a:pt x="34" y="20"/>
+                    <a:pt x="28" y="27"/>
+                  </a:cubicBezTo>
+                  <a:cubicBezTo>
+                    <a:pt x="25" y="30"/>
+                    <a:pt x="21" y="31"/>
+                    <a:pt x="17" y="31"/>
+                  </a:cubicBezTo>
+                  <a:close/>
+                  <a:moveTo>
+                    <a:pt x="17" y="4"/>
+                  </a:moveTo>
+                  <a:cubicBezTo>
+                    <a:pt x="14" y="4"/>
+                    <a:pt x="11" y="5"/>
+                    <a:pt x="9" y="7"/>
+                  </a:cubicBezTo>
+                  <a:cubicBezTo>
+                    <a:pt x="4" y="12"/>
+                    <a:pt x="4" y="19"/>
+                    <a:pt x="9" y="24"/>
+                  </a:cubicBezTo>
+                  <a:cubicBezTo>
+                    <a:pt x="11" y="26"/>
+                    <a:pt x="14" y="27"/>
+                    <a:pt x="17" y="27"/>
+                  </a:cubicBezTo>
+                  <a:cubicBezTo>
+                    <a:pt x="20" y="27"/>
+                    <a:pt x="23" y="26"/>
+                    <a:pt x="25" y="24"/>
+                  </a:cubicBezTo>
+                  <a:cubicBezTo>
+                    <a:pt x="30" y="19"/>
+                    <a:pt x="30" y="12"/>
+                    <a:pt x="25" y="7"/>
+                  </a:cubicBezTo>
+                  <a:cubicBezTo>
+                    <a:pt x="23" y="5"/>
+                    <a:pt x="20" y="4"/>
+                    <a:pt x="17" y="4"/>
+                  </a:cubicBezTo>
+                  <a:close/>
+                </a:path>
+              </a:pathLst>
+            </a:custGeom>
+            <a:grpFill/>
+            <a:ln>
+              <a:noFill/>
+            </a:ln>
+            <a:extLst>
+              <a:ext uri="{91240B29-F687-4f45-9708-019B960494DF}">
+                <a14:hiddenLine xmlns="" xmlns:a16="http://schemas.microsoft.com/office/drawing/2014/main" xmlns:p14="http://schemas.microsoft.com/office/powerpoint/2010/main" xmlns:a14="http://schemas.microsoft.com/office/drawing/2010/main" w="9525">
+                  <a:solidFill>
+                    <a:srgbClr val="000000"/>
+                  </a:solidFill>
+                  <a:round/>
+                  <a:headEnd/>
+                  <a:tailEnd/>
+                </a14:hiddenLine>
+              </a:ext>
+            </a:extLst>
+          </p:spPr>
+        </p:sp>
+        <p:sp>
+          <p:nvSpPr>
+            <p:cNvPr id="25" name="Line 16">
+              <a:extLst>
+                <a:ext uri="{FF2B5EF4-FFF2-40B4-BE49-F238E27FC236}">
+                  <a16:creationId xmlns="" xmlns:a16="http://schemas.microsoft.com/office/drawing/2014/main" id="{11042975-3D19-4728-BCDA-D3F5CD633EDB}"/>
+                </a:ext>
+                <a:ext uri="{C183D7F6-B498-43B3-948B-1728B52AA6E4}">
+                  <adec:decorative xmlns="" xmlns:adec="http://schemas.microsoft.com/office/drawing/2017/decorative" val="1"/>
+                </a:ext>
+              </a:extLst>
+            </p:cNvPr>
+            <p:cNvSpPr>
+              <a:spLocks noChangeShapeType="1"/>
+            </p:cNvSpPr>
+            <p:nvPr>
+              <p:extLst>
+                <p:ext uri="{386F3935-93C4-4BCD-93E2-E3B085C9AB24}">
+                  <p16:designElem xmlns:p16="http://schemas.microsoft.com/office/powerpoint/2015/main" val="1"/>
+                </p:ext>
+              </p:extLst>
+            </p:nvPr>
+          </p:nvSpPr>
+          <p:spPr bwMode="auto">
+            <a:xfrm>
+              <a:off x="-4763" y="9525"/>
+              <a:ext cx="0" cy="0"/>
+            </a:xfrm>
+            <a:prstGeom prst="line">
+              <a:avLst/>
+            </a:prstGeom>
+            <a:grpFill/>
+            <a:ln w="15" cap="flat">
+              <a:solidFill>
+                <a:srgbClr val="FFFFFF"/>
+              </a:solidFill>
+              <a:prstDash val="solid"/>
+              <a:miter lim="800000"/>
+              <a:headEnd/>
+              <a:tailEnd/>
+            </a:ln>
+          </p:spPr>
+        </p:sp>
+        <p:sp>
+          <p:nvSpPr>
+            <p:cNvPr id="26" name="Freeform 17">
+              <a:extLst>
+                <a:ext uri="{FF2B5EF4-FFF2-40B4-BE49-F238E27FC236}">
+                  <a16:creationId xmlns="" xmlns:a16="http://schemas.microsoft.com/office/drawing/2014/main" id="{A28972BD-D2E1-4DCA-A907-2E3B6F606649}"/>
+                </a:ext>
+                <a:ext uri="{C183D7F6-B498-43B3-948B-1728B52AA6E4}">
+                  <adec:decorative xmlns="" xmlns:adec="http://schemas.microsoft.com/office/drawing/2017/decorative" val="1"/>
+                </a:ext>
+              </a:extLst>
+            </p:cNvPr>
+            <p:cNvSpPr/>
+            <p:nvPr>
+              <p:extLst>
+                <p:ext uri="{386F3935-93C4-4BCD-93E2-E3B085C9AB24}">
+                  <p16:designElem xmlns:p16="http://schemas.microsoft.com/office/powerpoint/2015/main" val="1"/>
+                </p:ext>
+              </p:extLst>
+            </p:nvPr>
+          </p:nvSpPr>
+          <p:spPr bwMode="auto">
+            <a:xfrm>
+              <a:off x="9525" y="1801813"/>
+              <a:ext cx="123825" cy="127000"/>
+            </a:xfrm>
+            <a:custGeom>
+              <a:avLst/>
+              <a:gdLst/>
+              <a:ahLst/>
+              <a:cxnLst/>
+              <a:rect l="0" t="0" r="r" b="b"/>
+              <a:pathLst>
+                <a:path w="78" h="80">
+                  <a:moveTo>
+                    <a:pt x="6" y="80"/>
+                  </a:moveTo>
+                  <a:lnTo>
+                    <a:pt x="0" y="71"/>
+                  </a:lnTo>
+                  <a:lnTo>
+                    <a:pt x="69" y="0"/>
+                  </a:lnTo>
+                  <a:lnTo>
+                    <a:pt x="78" y="9"/>
+                  </a:lnTo>
+                  <a:lnTo>
+                    <a:pt x="6" y="80"/>
+                  </a:lnTo>
+                  <a:close/>
+                </a:path>
+              </a:pathLst>
+            </a:custGeom>
+            <a:grpFill/>
+            <a:ln>
+              <a:noFill/>
+            </a:ln>
+            <a:extLst>
+              <a:ext uri="{91240B29-F687-4f45-9708-019B960494DF}">
+                <a14:hiddenLine xmlns="" xmlns:a16="http://schemas.microsoft.com/office/drawing/2014/main" xmlns:p14="http://schemas.microsoft.com/office/powerpoint/2010/main" xmlns:a14="http://schemas.microsoft.com/office/drawing/2010/main" w="9525">
+                  <a:solidFill>
+                    <a:srgbClr val="000000"/>
+                  </a:solidFill>
+                  <a:round/>
+                  <a:headEnd/>
+                  <a:tailEnd/>
+                </a14:hiddenLine>
+              </a:ext>
+            </a:extLst>
+          </p:spPr>
+        </p:sp>
+        <p:sp>
+          <p:nvSpPr>
+            <p:cNvPr id="27" name="Freeform 18">
+              <a:extLst>
+                <a:ext uri="{FF2B5EF4-FFF2-40B4-BE49-F238E27FC236}">
+                  <a16:creationId xmlns="" xmlns:a16="http://schemas.microsoft.com/office/drawing/2014/main" id="{1C806824-5C2D-4747-B038-69EE4074B366}"/>
+                </a:ext>
+                <a:ext uri="{C183D7F6-B498-43B3-948B-1728B52AA6E4}">
+                  <adec:decorative xmlns="" xmlns:adec="http://schemas.microsoft.com/office/drawing/2017/decorative" val="1"/>
+                </a:ext>
+              </a:extLst>
+            </p:cNvPr>
+            <p:cNvSpPr/>
+            <p:nvPr>
+              <p:extLst>
+                <p:ext uri="{386F3935-93C4-4BCD-93E2-E3B085C9AB24}">
+                  <p16:designElem xmlns:p16="http://schemas.microsoft.com/office/powerpoint/2015/main" val="1"/>
+                </p:ext>
+              </p:extLst>
+            </p:nvPr>
+          </p:nvSpPr>
+          <p:spPr bwMode="auto">
+            <a:xfrm>
+              <a:off x="-9525" y="3549650"/>
+              <a:ext cx="147638" cy="481013"/>
+            </a:xfrm>
+            <a:custGeom>
+              <a:avLst/>
+              <a:gdLst/>
+              <a:ahLst/>
+              <a:cxnLst/>
+              <a:rect l="0" t="0" r="r" b="b"/>
+              <a:pathLst>
+                <a:path w="93" h="303">
+                  <a:moveTo>
+                    <a:pt x="93" y="303"/>
+                  </a:moveTo>
+                  <a:lnTo>
+                    <a:pt x="78" y="303"/>
+                  </a:lnTo>
+                  <a:lnTo>
+                    <a:pt x="78" y="78"/>
+                  </a:lnTo>
+                  <a:lnTo>
+                    <a:pt x="0" y="12"/>
+                  </a:lnTo>
+                  <a:lnTo>
+                    <a:pt x="12" y="0"/>
+                  </a:lnTo>
+                  <a:lnTo>
+                    <a:pt x="93" y="69"/>
+                  </a:lnTo>
+                  <a:lnTo>
+                    <a:pt x="93" y="303"/>
+                  </a:lnTo>
+                  <a:close/>
+                </a:path>
+              </a:pathLst>
+            </a:custGeom>
+            <a:grpFill/>
+            <a:ln>
+              <a:noFill/>
+            </a:ln>
+            <a:extLst>
+              <a:ext uri="{91240B29-F687-4f45-9708-019B960494DF}">
+                <a14:hiddenLine xmlns="" xmlns:a16="http://schemas.microsoft.com/office/drawing/2014/main" xmlns:p14="http://schemas.microsoft.com/office/powerpoint/2010/main" xmlns:a14="http://schemas.microsoft.com/office/drawing/2010/main" w="9525">
+                  <a:solidFill>
+                    <a:srgbClr val="000000"/>
+                  </a:solidFill>
+                  <a:round/>
+                  <a:headEnd/>
+                  <a:tailEnd/>
+                </a14:hiddenLine>
+              </a:ext>
+            </a:extLst>
+          </p:spPr>
+        </p:sp>
+        <p:sp>
+          <p:nvSpPr>
+            <p:cNvPr id="28" name="Freeform 19">
+              <a:extLst>
+                <a:ext uri="{FF2B5EF4-FFF2-40B4-BE49-F238E27FC236}">
+                  <a16:creationId xmlns="" xmlns:a16="http://schemas.microsoft.com/office/drawing/2014/main" id="{3B33F710-16D7-4F48-BFCA-66C9CA2352CB}"/>
+                </a:ext>
+                <a:ext uri="{C183D7F6-B498-43B3-948B-1728B52AA6E4}">
+                  <adec:decorative xmlns="" xmlns:adec="http://schemas.microsoft.com/office/drawing/2017/decorative" val="1"/>
+                </a:ext>
+              </a:extLst>
+            </p:cNvPr>
+            <p:cNvSpPr/>
+            <p:nvPr>
+              <p:extLst>
+                <p:ext uri="{386F3935-93C4-4BCD-93E2-E3B085C9AB24}">
+                  <p16:designElem xmlns:p16="http://schemas.microsoft.com/office/powerpoint/2015/main" val="1"/>
+                </p:ext>
+              </p:extLst>
+            </p:nvPr>
+          </p:nvSpPr>
+          <p:spPr bwMode="auto">
+            <a:xfrm>
+              <a:off x="128587" y="1382713"/>
+              <a:ext cx="142875" cy="476250"/>
+            </a:xfrm>
+            <a:custGeom>
+              <a:avLst/>
+              <a:gdLst/>
+              <a:ahLst/>
+              <a:cxnLst/>
+              <a:rect l="0" t="0" r="r" b="b"/>
+              <a:pathLst>
+                <a:path w="90" h="300">
+                  <a:moveTo>
+                    <a:pt x="90" y="300"/>
+                  </a:moveTo>
+                  <a:lnTo>
+                    <a:pt x="78" y="300"/>
+                  </a:lnTo>
+                  <a:lnTo>
+                    <a:pt x="78" y="84"/>
+                  </a:lnTo>
+                  <a:lnTo>
+                    <a:pt x="0" y="9"/>
+                  </a:lnTo>
+                  <a:lnTo>
+                    <a:pt x="9" y="0"/>
+                  </a:lnTo>
+                  <a:lnTo>
+                    <a:pt x="90" y="81"/>
+                  </a:lnTo>
+                  <a:lnTo>
+                    <a:pt x="90" y="300"/>
+                  </a:lnTo>
+                  <a:close/>
+                </a:path>
+              </a:pathLst>
+            </a:custGeom>
+            <a:grpFill/>
+            <a:ln>
+              <a:noFill/>
+            </a:ln>
+            <a:extLst>
+              <a:ext uri="{91240B29-F687-4f45-9708-019B960494DF}">
+                <a14:hiddenLine xmlns="" xmlns:a16="http://schemas.microsoft.com/office/drawing/2014/main" xmlns:p14="http://schemas.microsoft.com/office/powerpoint/2010/main" xmlns:a14="http://schemas.microsoft.com/office/drawing/2010/main" w="9525">
+                  <a:solidFill>
+                    <a:srgbClr val="000000"/>
+                  </a:solidFill>
+                  <a:round/>
+                  <a:headEnd/>
+                  <a:tailEnd/>
+                </a14:hiddenLine>
+              </a:ext>
+            </a:extLst>
+          </p:spPr>
+        </p:sp>
+        <p:sp>
+          <p:nvSpPr>
+            <p:cNvPr id="29" name="Freeform 20">
+              <a:extLst>
+                <a:ext uri="{FF2B5EF4-FFF2-40B4-BE49-F238E27FC236}">
+                  <a16:creationId xmlns="" xmlns:a16="http://schemas.microsoft.com/office/drawing/2014/main" id="{6C8C8ED4-90FA-4E97-AAF0-D5D51E6A935E}"/>
+                </a:ext>
+                <a:ext uri="{C183D7F6-B498-43B3-948B-1728B52AA6E4}">
+                  <adec:decorative xmlns="" xmlns:adec="http://schemas.microsoft.com/office/drawing/2017/decorative" val="1"/>
+                </a:ext>
+              </a:extLst>
+            </p:cNvPr>
+            <p:cNvSpPr>
+              <a:spLocks noEditPoints="1"/>
+            </p:cNvSpPr>
+            <p:nvPr>
+              <p:extLst>
+                <p:ext uri="{386F3935-93C4-4BCD-93E2-E3B085C9AB24}">
+                  <p16:designElem xmlns:p16="http://schemas.microsoft.com/office/powerpoint/2015/main" val="1"/>
+                </p:ext>
+              </p:extLst>
+            </p:nvPr>
+          </p:nvSpPr>
+          <p:spPr bwMode="auto">
+            <a:xfrm>
+              <a:off x="204787" y="1849438"/>
+              <a:ext cx="114300" cy="107950"/>
+            </a:xfrm>
+            <a:custGeom>
+              <a:avLst/>
+              <a:gdLst/>
+              <a:ahLst/>
+              <a:cxnLst/>
+              <a:rect l="0" t="0" r="r" b="b"/>
+              <a:pathLst>
+                <a:path w="24" h="23">
+                  <a:moveTo>
+                    <a:pt x="12" y="23"/>
+                  </a:moveTo>
+                  <a:cubicBezTo>
+                    <a:pt x="6" y="23"/>
+                    <a:pt x="0" y="18"/>
+                    <a:pt x="0" y="12"/>
+                  </a:cubicBezTo>
+                  <a:cubicBezTo>
+                    <a:pt x="0" y="5"/>
+                    <a:pt x="6" y="0"/>
+                    <a:pt x="12" y="0"/>
+                  </a:cubicBezTo>
+                  <a:cubicBezTo>
+                    <a:pt x="18" y="0"/>
+                    <a:pt x="24" y="5"/>
+                    <a:pt x="24" y="12"/>
+                  </a:cubicBezTo>
+                  <a:cubicBezTo>
+                    <a:pt x="24" y="18"/>
+                    <a:pt x="18" y="23"/>
+                    <a:pt x="12" y="23"/>
+                  </a:cubicBezTo>
+                  <a:close/>
+                  <a:moveTo>
+                    <a:pt x="12" y="4"/>
+                  </a:moveTo>
+                  <a:cubicBezTo>
+                    <a:pt x="8" y="4"/>
+                    <a:pt x="4" y="8"/>
+                    <a:pt x="4" y="12"/>
+                  </a:cubicBezTo>
+                  <a:cubicBezTo>
+                    <a:pt x="4" y="16"/>
+                    <a:pt x="8" y="19"/>
+                    <a:pt x="12" y="19"/>
+                  </a:cubicBezTo>
+                  <a:cubicBezTo>
+                    <a:pt x="16" y="19"/>
+                    <a:pt x="20" y="16"/>
+                    <a:pt x="20" y="12"/>
+                  </a:cubicBezTo>
+                  <a:cubicBezTo>
+                    <a:pt x="20" y="8"/>
+                    <a:pt x="16" y="4"/>
+                    <a:pt x="12" y="4"/>
+                  </a:cubicBezTo>
+                  <a:close/>
+                </a:path>
+              </a:pathLst>
+            </a:custGeom>
+            <a:grpFill/>
+            <a:ln>
+              <a:noFill/>
+            </a:ln>
+            <a:extLst>
+              <a:ext uri="{91240B29-F687-4f45-9708-019B960494DF}">
+                <a14:hiddenLine xmlns="" xmlns:a16="http://schemas.microsoft.com/office/drawing/2014/main" xmlns:p14="http://schemas.microsoft.com/office/powerpoint/2010/main" xmlns:a14="http://schemas.microsoft.com/office/drawing/2010/main" w="9525">
+                  <a:solidFill>
+                    <a:srgbClr val="000000"/>
+                  </a:solidFill>
+                  <a:round/>
+                  <a:headEnd/>
+                  <a:tailEnd/>
+                </a14:hiddenLine>
+              </a:ext>
+            </a:extLst>
+          </p:spPr>
+        </p:sp>
+        <p:sp>
+          <p:nvSpPr>
+            <p:cNvPr id="30" name="Rectangle 21">
+              <a:extLst>
+                <a:ext uri="{FF2B5EF4-FFF2-40B4-BE49-F238E27FC236}">
+                  <a16:creationId xmlns="" xmlns:a16="http://schemas.microsoft.com/office/drawing/2014/main" id="{6C5EB9C1-B25F-4172-8A96-5950ECC828FC}"/>
+                </a:ext>
+                <a:ext uri="{C183D7F6-B498-43B3-948B-1728B52AA6E4}">
+                  <adec:decorative xmlns="" xmlns:adec="http://schemas.microsoft.com/office/drawing/2017/decorative" val="1"/>
+                </a:ext>
+              </a:extLst>
+            </p:cNvPr>
+            <p:cNvSpPr>
+              <a:spLocks noChangeArrowheads="1"/>
+            </p:cNvSpPr>
+            <p:nvPr>
+              <p:extLst>
+                <p:ext uri="{386F3935-93C4-4BCD-93E2-E3B085C9AB24}">
+                  <p16:designElem xmlns:p16="http://schemas.microsoft.com/office/powerpoint/2015/main" val="1"/>
+                </p:ext>
+              </p:extLst>
+            </p:nvPr>
+          </p:nvSpPr>
+          <p:spPr bwMode="auto">
+            <a:xfrm>
+              <a:off x="133350" y="4662488"/>
+              <a:ext cx="23813" cy="2181225"/>
+            </a:xfrm>
+            <a:prstGeom prst="rect">
+              <a:avLst/>
+            </a:prstGeom>
+            <a:grpFill/>
+            <a:ln>
+              <a:noFill/>
+            </a:ln>
+            <a:extLst>
+              <a:ext uri="{91240B29-F687-4f45-9708-019B960494DF}">
+                <a14:hiddenLine xmlns="" xmlns:a16="http://schemas.microsoft.com/office/drawing/2014/main" xmlns:p14="http://schemas.microsoft.com/office/powerpoint/2010/main" xmlns:a14="http://schemas.microsoft.com/office/drawing/2010/main" w="9525">
+                  <a:solidFill>
+                    <a:srgbClr val="000000"/>
+                  </a:solidFill>
+                  <a:miter lim="800000"/>
+                  <a:headEnd/>
+                  <a:tailEnd/>
+                </a14:hiddenLine>
+              </a:ext>
+            </a:extLst>
+          </p:spPr>
+        </p:sp>
+        <p:sp>
+          <p:nvSpPr>
+            <p:cNvPr id="31" name="Freeform 22">
+              <a:extLst>
+                <a:ext uri="{FF2B5EF4-FFF2-40B4-BE49-F238E27FC236}">
+                  <a16:creationId xmlns="" xmlns:a16="http://schemas.microsoft.com/office/drawing/2014/main" id="{097E6E8A-9373-4655-882B-21715CCE97EE}"/>
+                </a:ext>
+                <a:ext uri="{C183D7F6-B498-43B3-948B-1728B52AA6E4}">
+                  <adec:decorative xmlns="" xmlns:adec="http://schemas.microsoft.com/office/drawing/2017/decorative" val="1"/>
+                </a:ext>
+              </a:extLst>
+            </p:cNvPr>
+            <p:cNvSpPr/>
+            <p:nvPr>
+              <p:extLst>
+                <p:ext uri="{386F3935-93C4-4BCD-93E2-E3B085C9AB24}">
+                  <p16:designElem xmlns:p16="http://schemas.microsoft.com/office/powerpoint/2015/main" val="1"/>
+                </p:ext>
+              </p:extLst>
+            </p:nvPr>
+          </p:nvSpPr>
+          <p:spPr bwMode="auto">
+            <a:xfrm>
+              <a:off x="223837" y="5041900"/>
+              <a:ext cx="369888" cy="1801813"/>
+            </a:xfrm>
+            <a:custGeom>
+              <a:avLst/>
+              <a:gdLst/>
+              <a:ahLst/>
+              <a:cxnLst/>
+              <a:rect l="0" t="0" r="r" b="b"/>
+              <a:pathLst>
+                <a:path w="233" h="1135">
+                  <a:moveTo>
+                    <a:pt x="15" y="1135"/>
+                  </a:moveTo>
+                  <a:lnTo>
+                    <a:pt x="0" y="1135"/>
+                  </a:lnTo>
+                  <a:lnTo>
+                    <a:pt x="0" y="515"/>
+                  </a:lnTo>
+                  <a:lnTo>
+                    <a:pt x="0" y="512"/>
+                  </a:lnTo>
+                  <a:lnTo>
+                    <a:pt x="218" y="0"/>
+                  </a:lnTo>
+                  <a:lnTo>
+                    <a:pt x="233" y="6"/>
+                  </a:lnTo>
+                  <a:lnTo>
+                    <a:pt x="15" y="518"/>
+                  </a:lnTo>
+                  <a:lnTo>
+                    <a:pt x="15" y="1135"/>
+                  </a:lnTo>
+                  <a:close/>
+                </a:path>
+              </a:pathLst>
+            </a:custGeom>
+            <a:grpFill/>
+            <a:ln>
+              <a:noFill/>
+            </a:ln>
+            <a:extLst>
+              <a:ext uri="{91240B29-F687-4f45-9708-019B960494DF}">
+                <a14:hiddenLine xmlns="" xmlns:a16="http://schemas.microsoft.com/office/drawing/2014/main" xmlns:p14="http://schemas.microsoft.com/office/powerpoint/2010/main" xmlns:a14="http://schemas.microsoft.com/office/drawing/2010/main" w="9525">
+                  <a:solidFill>
+                    <a:srgbClr val="000000"/>
+                  </a:solidFill>
+                  <a:round/>
+                  <a:headEnd/>
+                  <a:tailEnd/>
+                </a14:hiddenLine>
+              </a:ext>
+            </a:extLst>
+          </p:spPr>
+        </p:sp>
+        <p:sp>
+          <p:nvSpPr>
+            <p:cNvPr id="32" name="Freeform 23">
+              <a:extLst>
+                <a:ext uri="{FF2B5EF4-FFF2-40B4-BE49-F238E27FC236}">
+                  <a16:creationId xmlns="" xmlns:a16="http://schemas.microsoft.com/office/drawing/2014/main" id="{EB8CC766-1206-4372-ACAF-8230AF4D5421}"/>
+                </a:ext>
+                <a:ext uri="{C183D7F6-B498-43B3-948B-1728B52AA6E4}">
+                  <adec:decorative xmlns="" xmlns:adec="http://schemas.microsoft.com/office/drawing/2017/decorative" val="1"/>
+                </a:ext>
+              </a:extLst>
+            </p:cNvPr>
+            <p:cNvSpPr>
+              <a:spLocks noEditPoints="1"/>
+            </p:cNvSpPr>
+            <p:nvPr>
+              <p:extLst>
+                <p:ext uri="{386F3935-93C4-4BCD-93E2-E3B085C9AB24}">
+                  <p16:designElem xmlns:p16="http://schemas.microsoft.com/office/powerpoint/2015/main" val="1"/>
+                </p:ext>
+              </p:extLst>
+            </p:nvPr>
+          </p:nvSpPr>
+          <p:spPr bwMode="auto">
+            <a:xfrm>
+              <a:off x="52387" y="4481513"/>
+              <a:ext cx="190500" cy="190500"/>
+            </a:xfrm>
+            <a:custGeom>
+              <a:avLst/>
+              <a:gdLst/>
+              <a:ahLst/>
+              <a:cxnLst/>
+              <a:rect l="0" t="0" r="r" b="b"/>
+              <a:pathLst>
+                <a:path w="40" h="40">
+                  <a:moveTo>
+                    <a:pt x="20" y="40"/>
+                  </a:moveTo>
+                  <a:cubicBezTo>
+                    <a:pt x="9" y="40"/>
+                    <a:pt x="0" y="31"/>
+                    <a:pt x="0" y="20"/>
+                  </a:cubicBezTo>
+                  <a:cubicBezTo>
+                    <a:pt x="0" y="9"/>
+                    <a:pt x="9" y="0"/>
+                    <a:pt x="20" y="0"/>
+                  </a:cubicBezTo>
+                  <a:cubicBezTo>
+                    <a:pt x="31" y="0"/>
+                    <a:pt x="40" y="9"/>
+                    <a:pt x="40" y="20"/>
+                  </a:cubicBezTo>
+                  <a:cubicBezTo>
+                    <a:pt x="40" y="31"/>
+                    <a:pt x="31" y="40"/>
+                    <a:pt x="20" y="40"/>
+                  </a:cubicBezTo>
+                  <a:close/>
+                  <a:moveTo>
+                    <a:pt x="20" y="4"/>
+                  </a:moveTo>
+                  <a:cubicBezTo>
+                    <a:pt x="11" y="4"/>
+                    <a:pt x="4" y="11"/>
+                    <a:pt x="4" y="20"/>
+                  </a:cubicBezTo>
+                  <a:cubicBezTo>
+                    <a:pt x="4" y="29"/>
+                    <a:pt x="11" y="36"/>
+                    <a:pt x="20" y="36"/>
+                  </a:cubicBezTo>
+                  <a:cubicBezTo>
+                    <a:pt x="28" y="36"/>
+                    <a:pt x="36" y="29"/>
+                    <a:pt x="36" y="20"/>
+                  </a:cubicBezTo>
+                  <a:cubicBezTo>
+                    <a:pt x="36" y="11"/>
+                    <a:pt x="28" y="4"/>
+                    <a:pt x="20" y="4"/>
+                  </a:cubicBezTo>
+                  <a:close/>
+                </a:path>
+              </a:pathLst>
+            </a:custGeom>
+            <a:grpFill/>
+            <a:ln>
+              <a:noFill/>
+            </a:ln>
+            <a:extLst>
+              <a:ext uri="{91240B29-F687-4f45-9708-019B960494DF}">
+                <a14:hiddenLine xmlns="" xmlns:a16="http://schemas.microsoft.com/office/drawing/2014/main" xmlns:p14="http://schemas.microsoft.com/office/powerpoint/2010/main" xmlns:a14="http://schemas.microsoft.com/office/drawing/2010/main" w="9525">
+                  <a:solidFill>
+                    <a:srgbClr val="000000"/>
+                  </a:solidFill>
+                  <a:round/>
+                  <a:headEnd/>
+                  <a:tailEnd/>
+                </a14:hiddenLine>
+              </a:ext>
+            </a:extLst>
+          </p:spPr>
+        </p:sp>
+        <p:sp>
+          <p:nvSpPr>
+            <p:cNvPr id="33" name="Freeform 24">
+              <a:extLst>
+                <a:ext uri="{FF2B5EF4-FFF2-40B4-BE49-F238E27FC236}">
+                  <a16:creationId xmlns="" xmlns:a16="http://schemas.microsoft.com/office/drawing/2014/main" id="{1C8E2511-2489-47B2-9C19-C410910DD901}"/>
+                </a:ext>
+                <a:ext uri="{C183D7F6-B498-43B3-948B-1728B52AA6E4}">
+                  <adec:decorative xmlns="" xmlns:adec="http://schemas.microsoft.com/office/drawing/2017/decorative" val="1"/>
+                </a:ext>
+              </a:extLst>
+            </p:cNvPr>
+            <p:cNvSpPr/>
+            <p:nvPr>
+              <p:extLst>
+                <p:ext uri="{386F3935-93C4-4BCD-93E2-E3B085C9AB24}">
+                  <p16:designElem xmlns:p16="http://schemas.microsoft.com/office/powerpoint/2015/main" val="1"/>
+                </p:ext>
+              </p:extLst>
+            </p:nvPr>
+          </p:nvSpPr>
+          <p:spPr bwMode="auto">
+            <a:xfrm>
+              <a:off x="-14288" y="5627688"/>
+              <a:ext cx="85725" cy="1216025"/>
+            </a:xfrm>
+            <a:custGeom>
+              <a:avLst/>
+              <a:gdLst/>
+              <a:ahLst/>
+              <a:cxnLst/>
+              <a:rect l="0" t="0" r="r" b="b"/>
+              <a:pathLst>
+                <a:path w="54" h="766">
+                  <a:moveTo>
+                    <a:pt x="54" y="766"/>
+                  </a:moveTo>
+                  <a:lnTo>
+                    <a:pt x="36" y="766"/>
+                  </a:lnTo>
+                  <a:lnTo>
+                    <a:pt x="36" y="149"/>
+                  </a:lnTo>
+                  <a:lnTo>
+                    <a:pt x="0" y="3"/>
+                  </a:lnTo>
+                  <a:lnTo>
+                    <a:pt x="18" y="0"/>
+                  </a:lnTo>
+                  <a:lnTo>
+                    <a:pt x="54" y="146"/>
+                  </a:lnTo>
+                  <a:lnTo>
+                    <a:pt x="54" y="766"/>
+                  </a:lnTo>
+                  <a:close/>
+                </a:path>
+              </a:pathLst>
+            </a:custGeom>
+            <a:grpFill/>
+            <a:ln>
+              <a:noFill/>
+            </a:ln>
+            <a:extLst>
+              <a:ext uri="{91240B29-F687-4f45-9708-019B960494DF}">
+                <a14:hiddenLine xmlns="" xmlns:a16="http://schemas.microsoft.com/office/drawing/2014/main" xmlns:p14="http://schemas.microsoft.com/office/powerpoint/2010/main" xmlns:a14="http://schemas.microsoft.com/office/drawing/2010/main" w="9525">
+                  <a:solidFill>
+                    <a:srgbClr val="000000"/>
+                  </a:solidFill>
+                  <a:round/>
+                  <a:headEnd/>
+                  <a:tailEnd/>
+                </a14:hiddenLine>
+              </a:ext>
+            </a:extLst>
+          </p:spPr>
+        </p:sp>
+        <p:sp>
+          <p:nvSpPr>
+            <p:cNvPr id="34" name="Freeform 25">
+              <a:extLst>
+                <a:ext uri="{FF2B5EF4-FFF2-40B4-BE49-F238E27FC236}">
+                  <a16:creationId xmlns="" xmlns:a16="http://schemas.microsoft.com/office/drawing/2014/main" id="{D7820196-0A47-47EF-832C-A688E8977D60}"/>
+                </a:ext>
+                <a:ext uri="{C183D7F6-B498-43B3-948B-1728B52AA6E4}">
+                  <adec:decorative xmlns="" xmlns:adec="http://schemas.microsoft.com/office/drawing/2017/decorative" val="1"/>
+                </a:ext>
+              </a:extLst>
+            </p:cNvPr>
+            <p:cNvSpPr>
+              <a:spLocks noEditPoints="1"/>
+            </p:cNvSpPr>
+            <p:nvPr>
+              <p:extLst>
+                <p:ext uri="{386F3935-93C4-4BCD-93E2-E3B085C9AB24}">
+                  <p16:designElem xmlns:p16="http://schemas.microsoft.com/office/powerpoint/2015/main" val="1"/>
+                </p:ext>
+              </p:extLst>
+            </p:nvPr>
+          </p:nvSpPr>
+          <p:spPr bwMode="auto">
+            <a:xfrm>
+              <a:off x="527050" y="4867275"/>
+              <a:ext cx="190500" cy="188913"/>
+            </a:xfrm>
+            <a:custGeom>
+              <a:avLst/>
+              <a:gdLst/>
+              <a:ahLst/>
+              <a:cxnLst/>
+              <a:rect l="0" t="0" r="r" b="b"/>
+              <a:pathLst>
+                <a:path w="40" h="40">
+                  <a:moveTo>
+                    <a:pt x="20" y="40"/>
+                  </a:moveTo>
+                  <a:cubicBezTo>
+                    <a:pt x="9" y="40"/>
+                    <a:pt x="0" y="31"/>
+                    <a:pt x="0" y="20"/>
+                  </a:cubicBezTo>
+                  <a:cubicBezTo>
+                    <a:pt x="0" y="9"/>
+                    <a:pt x="9" y="0"/>
+                    <a:pt x="20" y="0"/>
+                  </a:cubicBezTo>
+                  <a:cubicBezTo>
+                    <a:pt x="31" y="0"/>
+                    <a:pt x="40" y="9"/>
+                    <a:pt x="40" y="20"/>
+                  </a:cubicBezTo>
+                  <a:cubicBezTo>
+                    <a:pt x="40" y="31"/>
+                    <a:pt x="31" y="40"/>
+                    <a:pt x="20" y="40"/>
+                  </a:cubicBezTo>
+                  <a:close/>
+                  <a:moveTo>
+                    <a:pt x="20" y="4"/>
+                  </a:moveTo>
+                  <a:cubicBezTo>
+                    <a:pt x="11" y="4"/>
+                    <a:pt x="4" y="11"/>
+                    <a:pt x="4" y="20"/>
+                  </a:cubicBezTo>
+                  <a:cubicBezTo>
+                    <a:pt x="4" y="29"/>
+                    <a:pt x="11" y="36"/>
+                    <a:pt x="20" y="36"/>
+                  </a:cubicBezTo>
+                  <a:cubicBezTo>
+                    <a:pt x="29" y="36"/>
+                    <a:pt x="36" y="29"/>
+                    <a:pt x="36" y="20"/>
+                  </a:cubicBezTo>
+                  <a:cubicBezTo>
+                    <a:pt x="36" y="11"/>
+                    <a:pt x="29" y="4"/>
+                    <a:pt x="20" y="4"/>
+                  </a:cubicBezTo>
+                  <a:close/>
+                </a:path>
+              </a:pathLst>
+            </a:custGeom>
+            <a:grpFill/>
+            <a:ln>
+              <a:noFill/>
+            </a:ln>
+            <a:extLst>
+              <a:ext uri="{91240B29-F687-4f45-9708-019B960494DF}">
+                <a14:hiddenLine xmlns="" xmlns:a16="http://schemas.microsoft.com/office/drawing/2014/main" xmlns:p14="http://schemas.microsoft.com/office/powerpoint/2010/main" xmlns:a14="http://schemas.microsoft.com/office/drawing/2010/main" w="9525">
+                  <a:solidFill>
+                    <a:srgbClr val="000000"/>
+                  </a:solidFill>
+                  <a:round/>
+                  <a:headEnd/>
+                  <a:tailEnd/>
+                </a14:hiddenLine>
+              </a:ext>
+            </a:extLst>
+          </p:spPr>
+        </p:sp>
+        <p:sp>
+          <p:nvSpPr>
+            <p:cNvPr id="35" name="Freeform 26">
+              <a:extLst>
+                <a:ext uri="{FF2B5EF4-FFF2-40B4-BE49-F238E27FC236}">
+                  <a16:creationId xmlns="" xmlns:a16="http://schemas.microsoft.com/office/drawing/2014/main" id="{4982E0BF-34AE-48A3-AD6B-E0F3CD05DB34}"/>
+                </a:ext>
+                <a:ext uri="{C183D7F6-B498-43B3-948B-1728B52AA6E4}">
+                  <adec:decorative xmlns="" xmlns:adec="http://schemas.microsoft.com/office/drawing/2017/decorative" val="1"/>
+                </a:ext>
+              </a:extLst>
+            </p:cNvPr>
+            <p:cNvSpPr/>
+            <p:nvPr>
+              <p:extLst>
+                <p:ext uri="{386F3935-93C4-4BCD-93E2-E3B085C9AB24}">
+                  <p16:designElem xmlns:p16="http://schemas.microsoft.com/office/powerpoint/2015/main" val="1"/>
+                </p:ext>
+              </p:extLst>
+            </p:nvPr>
+          </p:nvSpPr>
+          <p:spPr bwMode="auto">
+            <a:xfrm>
+              <a:off x="309562" y="5422900"/>
+              <a:ext cx="374650" cy="1425575"/>
+            </a:xfrm>
+            <a:custGeom>
+              <a:avLst/>
+              <a:gdLst/>
+              <a:ahLst/>
+              <a:cxnLst/>
+              <a:rect l="0" t="0" r="r" b="b"/>
+              <a:pathLst>
+                <a:path w="236" h="898">
+                  <a:moveTo>
+                    <a:pt x="18" y="898"/>
+                  </a:moveTo>
+                  <a:lnTo>
+                    <a:pt x="0" y="898"/>
+                  </a:lnTo>
+                  <a:lnTo>
+                    <a:pt x="0" y="515"/>
+                  </a:lnTo>
+                  <a:lnTo>
+                    <a:pt x="3" y="512"/>
+                  </a:lnTo>
+                  <a:lnTo>
+                    <a:pt x="221" y="0"/>
+                  </a:lnTo>
+                  <a:lnTo>
+                    <a:pt x="236" y="6"/>
+                  </a:lnTo>
+                  <a:lnTo>
+                    <a:pt x="18" y="518"/>
+                  </a:lnTo>
+                  <a:lnTo>
+                    <a:pt x="18" y="898"/>
+                  </a:lnTo>
+                  <a:close/>
+                </a:path>
+              </a:pathLst>
+            </a:custGeom>
+            <a:grpFill/>
+            <a:ln>
+              <a:noFill/>
+            </a:ln>
+            <a:extLst>
+              <a:ext uri="{91240B29-F687-4f45-9708-019B960494DF}">
+                <a14:hiddenLine xmlns="" xmlns:a16="http://schemas.microsoft.com/office/drawing/2014/main" xmlns:p14="http://schemas.microsoft.com/office/powerpoint/2010/main" xmlns:a14="http://schemas.microsoft.com/office/drawing/2010/main" w="9525">
+                  <a:solidFill>
+                    <a:srgbClr val="000000"/>
+                  </a:solidFill>
+                  <a:round/>
+                  <a:headEnd/>
+                  <a:tailEnd/>
+                </a14:hiddenLine>
+              </a:ext>
+            </a:extLst>
+          </p:spPr>
+        </p:sp>
+        <p:sp>
+          <p:nvSpPr>
+            <p:cNvPr id="36" name="Freeform 27">
+              <a:extLst>
+                <a:ext uri="{FF2B5EF4-FFF2-40B4-BE49-F238E27FC236}">
+                  <a16:creationId xmlns="" xmlns:a16="http://schemas.microsoft.com/office/drawing/2014/main" id="{CD34643B-9DF2-4310-8868-48252C3393F0}"/>
+                </a:ext>
+                <a:ext uri="{C183D7F6-B498-43B3-948B-1728B52AA6E4}">
+                  <adec:decorative xmlns="" xmlns:adec="http://schemas.microsoft.com/office/drawing/2017/decorative" val="1"/>
+                </a:ext>
+              </a:extLst>
+            </p:cNvPr>
+            <p:cNvSpPr/>
+            <p:nvPr>
+              <p:extLst>
+                <p:ext uri="{386F3935-93C4-4BCD-93E2-E3B085C9AB24}">
+                  <p16:designElem xmlns:p16="http://schemas.microsoft.com/office/powerpoint/2015/main" val="1"/>
+                </p:ext>
+              </p:extLst>
+            </p:nvPr>
+          </p:nvSpPr>
+          <p:spPr bwMode="auto">
+            <a:xfrm>
+              <a:off x="569912" y="5945188"/>
+              <a:ext cx="152400" cy="912813"/>
+            </a:xfrm>
+            <a:custGeom>
+              <a:avLst/>
+              <a:gdLst/>
+              <a:ahLst/>
+              <a:cxnLst/>
+              <a:rect l="0" t="0" r="r" b="b"/>
+              <a:pathLst>
+                <a:path w="96" h="575">
+                  <a:moveTo>
+                    <a:pt x="15" y="575"/>
+                  </a:moveTo>
+                  <a:lnTo>
+                    <a:pt x="0" y="569"/>
+                  </a:lnTo>
+                  <a:lnTo>
+                    <a:pt x="81" y="383"/>
+                  </a:lnTo>
+                  <a:lnTo>
+                    <a:pt x="81" y="0"/>
+                  </a:lnTo>
+                  <a:lnTo>
+                    <a:pt x="96" y="0"/>
+                  </a:lnTo>
+                  <a:lnTo>
+                    <a:pt x="96" y="386"/>
+                  </a:lnTo>
+                  <a:lnTo>
+                    <a:pt x="15" y="575"/>
+                  </a:lnTo>
+                  <a:close/>
+                </a:path>
+              </a:pathLst>
+            </a:custGeom>
+            <a:grpFill/>
+            <a:ln>
+              <a:noFill/>
+            </a:ln>
+            <a:extLst>
+              <a:ext uri="{91240B29-F687-4f45-9708-019B960494DF}">
+                <a14:hiddenLine xmlns="" xmlns:a16="http://schemas.microsoft.com/office/drawing/2014/main" xmlns:p14="http://schemas.microsoft.com/office/powerpoint/2010/main" xmlns:a14="http://schemas.microsoft.com/office/drawing/2010/main" w="9525">
+                  <a:solidFill>
+                    <a:srgbClr val="000000"/>
+                  </a:solidFill>
+                  <a:round/>
+                  <a:headEnd/>
+                  <a:tailEnd/>
+                </a14:hiddenLine>
+              </a:ext>
+            </a:extLst>
+          </p:spPr>
+        </p:sp>
+        <p:sp>
+          <p:nvSpPr>
+            <p:cNvPr id="37" name="Freeform 28">
+              <a:extLst>
+                <a:ext uri="{FF2B5EF4-FFF2-40B4-BE49-F238E27FC236}">
+                  <a16:creationId xmlns="" xmlns:a16="http://schemas.microsoft.com/office/drawing/2014/main" id="{4E020C4E-AF64-44A8-B830-779541D8D549}"/>
+                </a:ext>
+                <a:ext uri="{C183D7F6-B498-43B3-948B-1728B52AA6E4}">
+                  <adec:decorative xmlns="" xmlns:adec="http://schemas.microsoft.com/office/drawing/2017/decorative" val="1"/>
+                </a:ext>
+              </a:extLst>
+            </p:cNvPr>
+            <p:cNvSpPr>
+              <a:spLocks noEditPoints="1"/>
+            </p:cNvSpPr>
+            <p:nvPr>
+              <p:extLst>
+                <p:ext uri="{386F3935-93C4-4BCD-93E2-E3B085C9AB24}">
+                  <p16:designElem xmlns:p16="http://schemas.microsoft.com/office/powerpoint/2015/main" val="1"/>
+                </p:ext>
+              </p:extLst>
+            </p:nvPr>
+          </p:nvSpPr>
+          <p:spPr bwMode="auto">
+            <a:xfrm>
+              <a:off x="612775" y="5246688"/>
+              <a:ext cx="190500" cy="190500"/>
+            </a:xfrm>
+            <a:custGeom>
+              <a:avLst/>
+              <a:gdLst/>
+              <a:ahLst/>
+              <a:cxnLst/>
+              <a:rect l="0" t="0" r="r" b="b"/>
+              <a:pathLst>
+                <a:path w="40" h="40">
+                  <a:moveTo>
+                    <a:pt x="20" y="40"/>
+                  </a:moveTo>
+                  <a:cubicBezTo>
+                    <a:pt x="9" y="40"/>
+                    <a:pt x="0" y="31"/>
+                    <a:pt x="0" y="20"/>
+                  </a:cubicBezTo>
+                  <a:cubicBezTo>
+                    <a:pt x="0" y="9"/>
+                    <a:pt x="9" y="0"/>
+                    <a:pt x="20" y="0"/>
+                  </a:cubicBezTo>
+                  <a:cubicBezTo>
+                    <a:pt x="31" y="0"/>
+                    <a:pt x="40" y="9"/>
+                    <a:pt x="40" y="20"/>
+                  </a:cubicBezTo>
+                  <a:cubicBezTo>
+                    <a:pt x="40" y="31"/>
+                    <a:pt x="31" y="40"/>
+                    <a:pt x="20" y="40"/>
+                  </a:cubicBezTo>
+                  <a:close/>
+                  <a:moveTo>
+                    <a:pt x="20" y="4"/>
+                  </a:moveTo>
+                  <a:cubicBezTo>
+                    <a:pt x="12" y="4"/>
+                    <a:pt x="4" y="11"/>
+                    <a:pt x="4" y="20"/>
+                  </a:cubicBezTo>
+                  <a:cubicBezTo>
+                    <a:pt x="4" y="29"/>
+                    <a:pt x="12" y="36"/>
+                    <a:pt x="20" y="36"/>
+                  </a:cubicBezTo>
+                  <a:cubicBezTo>
+                    <a:pt x="29" y="36"/>
+                    <a:pt x="36" y="29"/>
+                    <a:pt x="36" y="20"/>
+                  </a:cubicBezTo>
+                  <a:cubicBezTo>
+                    <a:pt x="36" y="11"/>
+                    <a:pt x="29" y="4"/>
+                    <a:pt x="20" y="4"/>
+                  </a:cubicBezTo>
+                  <a:close/>
+                </a:path>
+              </a:pathLst>
+            </a:custGeom>
+            <a:grpFill/>
+            <a:ln>
+              <a:noFill/>
+            </a:ln>
+            <a:extLst>
+              <a:ext uri="{91240B29-F687-4f45-9708-019B960494DF}">
+                <a14:hiddenLine xmlns="" xmlns:a16="http://schemas.microsoft.com/office/drawing/2014/main" xmlns:p14="http://schemas.microsoft.com/office/powerpoint/2010/main" xmlns:a14="http://schemas.microsoft.com/office/drawing/2010/main" w="9525">
+                  <a:solidFill>
+                    <a:srgbClr val="000000"/>
+                  </a:solidFill>
+                  <a:round/>
+                  <a:headEnd/>
+                  <a:tailEnd/>
+                </a14:hiddenLine>
+              </a:ext>
+            </a:extLst>
+          </p:spPr>
+        </p:sp>
+        <p:sp>
+          <p:nvSpPr>
+            <p:cNvPr id="38" name="Freeform 29">
+              <a:extLst>
+                <a:ext uri="{FF2B5EF4-FFF2-40B4-BE49-F238E27FC236}">
+                  <a16:creationId xmlns="" xmlns:a16="http://schemas.microsoft.com/office/drawing/2014/main" id="{D97BC3D3-B1B3-4825-9169-BBEF1DBCF055}"/>
+                </a:ext>
+                <a:ext uri="{C183D7F6-B498-43B3-948B-1728B52AA6E4}">
+                  <adec:decorative xmlns="" xmlns:adec="http://schemas.microsoft.com/office/drawing/2017/decorative" val="1"/>
+                </a:ext>
+              </a:extLst>
+            </p:cNvPr>
+            <p:cNvSpPr>
+              <a:spLocks noEditPoints="1"/>
+            </p:cNvSpPr>
+            <p:nvPr>
+              <p:extLst>
+                <p:ext uri="{386F3935-93C4-4BCD-93E2-E3B085C9AB24}">
+                  <p16:designElem xmlns:p16="http://schemas.microsoft.com/office/powerpoint/2015/main" val="1"/>
+                </p:ext>
+              </p:extLst>
+            </p:nvPr>
+          </p:nvSpPr>
+          <p:spPr bwMode="auto">
+            <a:xfrm>
+              <a:off x="612775" y="5764213"/>
+              <a:ext cx="190500" cy="190500"/>
+            </a:xfrm>
+            <a:custGeom>
+              <a:avLst/>
+              <a:gdLst/>
+              <a:ahLst/>
+              <a:cxnLst/>
+              <a:rect l="0" t="0" r="r" b="b"/>
+              <a:pathLst>
+                <a:path w="40" h="40">
+                  <a:moveTo>
+                    <a:pt x="20" y="40"/>
+                  </a:moveTo>
+                  <a:cubicBezTo>
+                    <a:pt x="9" y="40"/>
+                    <a:pt x="0" y="31"/>
+                    <a:pt x="0" y="20"/>
+                  </a:cubicBezTo>
+                  <a:cubicBezTo>
+                    <a:pt x="0" y="9"/>
+                    <a:pt x="9" y="0"/>
+                    <a:pt x="20" y="0"/>
+                  </a:cubicBezTo>
+                  <a:cubicBezTo>
+                    <a:pt x="31" y="0"/>
+                    <a:pt x="40" y="9"/>
+                    <a:pt x="40" y="20"/>
+                  </a:cubicBezTo>
+                  <a:cubicBezTo>
+                    <a:pt x="40" y="31"/>
+                    <a:pt x="31" y="40"/>
+                    <a:pt x="20" y="40"/>
+                  </a:cubicBezTo>
+                  <a:close/>
+                  <a:moveTo>
+                    <a:pt x="20" y="4"/>
+                  </a:moveTo>
+                  <a:cubicBezTo>
+                    <a:pt x="12" y="4"/>
+                    <a:pt x="4" y="11"/>
+                    <a:pt x="4" y="20"/>
+                  </a:cubicBezTo>
+                  <a:cubicBezTo>
+                    <a:pt x="4" y="29"/>
+                    <a:pt x="12" y="36"/>
+                    <a:pt x="20" y="36"/>
+                  </a:cubicBezTo>
+                  <a:cubicBezTo>
+                    <a:pt x="29" y="36"/>
+                    <a:pt x="36" y="29"/>
+                    <a:pt x="36" y="20"/>
+                  </a:cubicBezTo>
+                  <a:cubicBezTo>
+                    <a:pt x="36" y="11"/>
+                    <a:pt x="29" y="4"/>
+                    <a:pt x="20" y="4"/>
+                  </a:cubicBezTo>
+                  <a:close/>
+                </a:path>
+              </a:pathLst>
+            </a:custGeom>
+            <a:grpFill/>
+            <a:ln>
+              <a:noFill/>
+            </a:ln>
+            <a:extLst>
+              <a:ext uri="{91240B29-F687-4f45-9708-019B960494DF}">
+                <a14:hiddenLine xmlns="" xmlns:a16="http://schemas.microsoft.com/office/drawing/2014/main" xmlns:p14="http://schemas.microsoft.com/office/powerpoint/2010/main" xmlns:a14="http://schemas.microsoft.com/office/drawing/2010/main" w="9525">
+                  <a:solidFill>
+                    <a:srgbClr val="000000"/>
+                  </a:solidFill>
+                  <a:round/>
+                  <a:headEnd/>
+                  <a:tailEnd/>
+                </a14:hiddenLine>
+              </a:ext>
+            </a:extLst>
+          </p:spPr>
+        </p:sp>
+        <p:sp>
+          <p:nvSpPr>
+            <p:cNvPr id="39" name="Freeform 30">
+              <a:extLst>
+                <a:ext uri="{FF2B5EF4-FFF2-40B4-BE49-F238E27FC236}">
+                  <a16:creationId xmlns="" xmlns:a16="http://schemas.microsoft.com/office/drawing/2014/main" id="{A750DC4F-1DAF-470E-98C6-6C68DEB93363}"/>
+                </a:ext>
+                <a:ext uri="{C183D7F6-B498-43B3-948B-1728B52AA6E4}">
+                  <adec:decorative xmlns="" xmlns:adec="http://schemas.microsoft.com/office/drawing/2017/decorative" val="1"/>
+                </a:ext>
+              </a:extLst>
+            </p:cNvPr>
+            <p:cNvSpPr/>
+            <p:nvPr>
+              <p:extLst>
+                <p:ext uri="{386F3935-93C4-4BCD-93E2-E3B085C9AB24}">
+                  <p16:designElem xmlns:p16="http://schemas.microsoft.com/office/powerpoint/2015/main" val="1"/>
+                </p:ext>
+              </p:extLst>
+            </p:nvPr>
+          </p:nvSpPr>
+          <p:spPr bwMode="auto">
+            <a:xfrm>
+              <a:off x="669925" y="6330950"/>
+              <a:ext cx="417513" cy="517525"/>
+            </a:xfrm>
+            <a:custGeom>
+              <a:avLst/>
+              <a:gdLst/>
+              <a:ahLst/>
+              <a:cxnLst/>
+              <a:rect l="0" t="0" r="r" b="b"/>
+              <a:pathLst>
+                <a:path w="263" h="326">
+                  <a:moveTo>
+                    <a:pt x="15" y="326"/>
+                  </a:moveTo>
+                  <a:lnTo>
+                    <a:pt x="0" y="320"/>
+                  </a:lnTo>
+                  <a:lnTo>
+                    <a:pt x="45" y="206"/>
+                  </a:lnTo>
+                  <a:lnTo>
+                    <a:pt x="48" y="206"/>
+                  </a:lnTo>
+                  <a:lnTo>
+                    <a:pt x="254" y="0"/>
+                  </a:lnTo>
+                  <a:lnTo>
+                    <a:pt x="263" y="12"/>
+                  </a:lnTo>
+                  <a:lnTo>
+                    <a:pt x="60" y="215"/>
+                  </a:lnTo>
+                  <a:lnTo>
+                    <a:pt x="15" y="326"/>
+                  </a:lnTo>
+                  <a:close/>
+                </a:path>
+              </a:pathLst>
+            </a:custGeom>
+            <a:grpFill/>
+            <a:ln>
+              <a:noFill/>
+            </a:ln>
+            <a:extLst>
+              <a:ext uri="{91240B29-F687-4f45-9708-019B960494DF}">
+                <a14:hiddenLine xmlns="" xmlns:a16="http://schemas.microsoft.com/office/drawing/2014/main" xmlns:p14="http://schemas.microsoft.com/office/powerpoint/2010/main" xmlns:a14="http://schemas.microsoft.com/office/drawing/2010/main" w="9525">
+                  <a:solidFill>
+                    <a:srgbClr val="000000"/>
+                  </a:solidFill>
+                  <a:round/>
+                  <a:headEnd/>
+                  <a:tailEnd/>
+                </a14:hiddenLine>
+              </a:ext>
+            </a:extLst>
+          </p:spPr>
+        </p:sp>
+        <p:sp>
+          <p:nvSpPr>
+            <p:cNvPr id="40" name="Freeform 31">
+              <a:extLst>
+                <a:ext uri="{FF2B5EF4-FFF2-40B4-BE49-F238E27FC236}">
+                  <a16:creationId xmlns="" xmlns:a16="http://schemas.microsoft.com/office/drawing/2014/main" id="{2F99594A-5BBD-4E10-A818-8BE52B7D952C}"/>
+                </a:ext>
+                <a:ext uri="{C183D7F6-B498-43B3-948B-1728B52AA6E4}">
+                  <adec:decorative xmlns="" xmlns:adec="http://schemas.microsoft.com/office/drawing/2017/decorative" val="1"/>
+                </a:ext>
+              </a:extLst>
+            </p:cNvPr>
+            <p:cNvSpPr>
+              <a:spLocks noEditPoints="1"/>
+            </p:cNvSpPr>
+            <p:nvPr>
+              <p:extLst>
+                <p:ext uri="{386F3935-93C4-4BCD-93E2-E3B085C9AB24}">
+                  <p16:designElem xmlns:p16="http://schemas.microsoft.com/office/powerpoint/2015/main" val="1"/>
+                </p:ext>
+              </p:extLst>
+            </p:nvPr>
+          </p:nvSpPr>
+          <p:spPr bwMode="auto">
+            <a:xfrm>
+              <a:off x="1049337" y="6221413"/>
+              <a:ext cx="157163" cy="147638"/>
+            </a:xfrm>
+            <a:custGeom>
+              <a:avLst/>
+              <a:gdLst/>
+              <a:ahLst/>
+              <a:cxnLst/>
+              <a:rect l="0" t="0" r="r" b="b"/>
+              <a:pathLst>
+                <a:path w="33" h="31">
+                  <a:moveTo>
+                    <a:pt x="16" y="31"/>
+                  </a:moveTo>
+                  <a:cubicBezTo>
+                    <a:pt x="12" y="31"/>
+                    <a:pt x="8" y="29"/>
+                    <a:pt x="5" y="26"/>
+                  </a:cubicBezTo>
+                  <a:cubicBezTo>
+                    <a:pt x="2" y="24"/>
+                    <a:pt x="0" y="20"/>
+                    <a:pt x="0" y="15"/>
+                  </a:cubicBezTo>
+                  <a:cubicBezTo>
+                    <a:pt x="0" y="11"/>
+                    <a:pt x="2" y="7"/>
+                    <a:pt x="5" y="4"/>
+                  </a:cubicBezTo>
+                  <a:cubicBezTo>
+                    <a:pt x="8" y="1"/>
+                    <a:pt x="12" y="0"/>
+                    <a:pt x="16" y="0"/>
+                  </a:cubicBezTo>
+                  <a:cubicBezTo>
+                    <a:pt x="20" y="0"/>
+                    <a:pt x="24" y="1"/>
+                    <a:pt x="27" y="4"/>
+                  </a:cubicBezTo>
+                  <a:cubicBezTo>
+                    <a:pt x="33" y="10"/>
+                    <a:pt x="33" y="20"/>
+                    <a:pt x="27" y="26"/>
+                  </a:cubicBezTo>
+                  <a:cubicBezTo>
+                    <a:pt x="24" y="29"/>
+                    <a:pt x="20" y="31"/>
+                    <a:pt x="16" y="31"/>
+                  </a:cubicBezTo>
+                  <a:close/>
+                  <a:moveTo>
+                    <a:pt x="16" y="4"/>
+                  </a:moveTo>
+                  <a:cubicBezTo>
+                    <a:pt x="13" y="4"/>
+                    <a:pt x="10" y="5"/>
+                    <a:pt x="8" y="7"/>
+                  </a:cubicBezTo>
+                  <a:cubicBezTo>
+                    <a:pt x="6" y="9"/>
+                    <a:pt x="4" y="12"/>
+                    <a:pt x="4" y="15"/>
+                  </a:cubicBezTo>
+                  <a:cubicBezTo>
+                    <a:pt x="4" y="19"/>
+                    <a:pt x="6" y="21"/>
+                    <a:pt x="8" y="24"/>
+                  </a:cubicBezTo>
+                  <a:cubicBezTo>
+                    <a:pt x="10" y="26"/>
+                    <a:pt x="13" y="27"/>
+                    <a:pt x="16" y="27"/>
+                  </a:cubicBezTo>
+                  <a:cubicBezTo>
+                    <a:pt x="19" y="27"/>
+                    <a:pt x="22" y="26"/>
+                    <a:pt x="24" y="24"/>
+                  </a:cubicBezTo>
+                  <a:cubicBezTo>
+                    <a:pt x="29" y="19"/>
+                    <a:pt x="29" y="12"/>
+                    <a:pt x="24" y="7"/>
+                  </a:cubicBezTo>
+                  <a:cubicBezTo>
+                    <a:pt x="22" y="5"/>
+                    <a:pt x="19" y="4"/>
+                    <a:pt x="16" y="4"/>
+                  </a:cubicBezTo>
+                  <a:close/>
+                </a:path>
+              </a:pathLst>
+            </a:custGeom>
+            <a:grpFill/>
+            <a:ln>
+              <a:noFill/>
+            </a:ln>
+            <a:extLst>
+              <a:ext uri="{91240B29-F687-4f45-9708-019B960494DF}">
+                <a14:hiddenLine xmlns="" xmlns:a16="http://schemas.microsoft.com/office/drawing/2014/main" xmlns:p14="http://schemas.microsoft.com/office/powerpoint/2010/main" xmlns:a14="http://schemas.microsoft.com/office/drawing/2010/main" w="9525">
                   <a:solidFill>
                     <a:srgbClr val="000000"/>
                   </a:solidFill>
